--- a/6 - Generalization Bounds/Slides.pptx
+++ b/6 - Generalization Bounds/Slides.pptx
@@ -162,7 +162,7 @@
 <file path=ppt/revisionInfo.xml><?xml version="1.0" encoding="utf-8"?>
 <p1510:revInfo xmlns:a="http://schemas.openxmlformats.org/drawingml/2006/main" xmlns:r="http://schemas.openxmlformats.org/officeDocument/2006/relationships" xmlns:p1510="http://schemas.microsoft.com/office/powerpoint/2015/10/main">
   <p1510:revLst>
-    <p1510:client id="{AF642132-5A98-4464-8D09-85A8C5D9CC76}" v="633" dt="2026-01-19T21:14:16.855"/>
+    <p1510:client id="{AF642132-5A98-4464-8D09-85A8C5D9CC76}" v="660" dt="2026-02-04T13:13:16.647"/>
   </p1510:revLst>
 </p1510:revInfo>
 </file>
@@ -172,7 +172,7 @@
   <pc:docChgLst>
     <pc:chgData name="Dominik Dold" userId="f2e3d405450aa2f4" providerId="LiveId" clId="{5805CB45-291F-49AE-A1B6-715AA1DB6F91}"/>
     <pc:docChg chg="undo redo custSel addSld delSld modSld sldOrd modMainMaster">
-      <pc:chgData name="Dominik Dold" userId="f2e3d405450aa2f4" providerId="LiveId" clId="{5805CB45-291F-49AE-A1B6-715AA1DB6F91}" dt="2026-01-19T21:14:34.147" v="50009" actId="14100"/>
+      <pc:chgData name="Dominik Dold" userId="f2e3d405450aa2f4" providerId="LiveId" clId="{5805CB45-291F-49AE-A1B6-715AA1DB6F91}" dt="2026-02-04T13:13:16.647" v="50045" actId="20577"/>
       <pc:docMkLst>
         <pc:docMk/>
       </pc:docMkLst>
@@ -190,14 +190,6 @@
             <ac:spMk id="6" creationId="{FE52C87C-42C9-5D83-F25A-09C72E6C5AA9}"/>
           </ac:spMkLst>
         </pc:spChg>
-        <pc:picChg chg="add del">
-          <ac:chgData name="Dominik Dold" userId="f2e3d405450aa2f4" providerId="LiveId" clId="{5805CB45-291F-49AE-A1B6-715AA1DB6F91}" dt="2026-01-19T16:29:02.091" v="49178" actId="478"/>
-          <ac:picMkLst>
-            <pc:docMk/>
-            <pc:sldMk cId="1605938876" sldId="256"/>
-            <ac:picMk id="1026" creationId="{374CE499-AE70-FB36-5DE0-49329E3A32C7}"/>
-          </ac:picMkLst>
-        </pc:picChg>
         <pc:picChg chg="add mod">
           <ac:chgData name="Dominik Dold" userId="f2e3d405450aa2f4" providerId="LiveId" clId="{5805CB45-291F-49AE-A1B6-715AA1DB6F91}" dt="2026-01-19T16:33:13.491" v="49188" actId="1076"/>
           <ac:picMkLst>
@@ -746,7 +738,7 @@
         </pc:cxnChg>
       </pc:sldChg>
       <pc:sldChg chg="addSp delSp modSp new mod ord modAnim">
-        <pc:chgData name="Dominik Dold" userId="f2e3d405450aa2f4" providerId="LiveId" clId="{5805CB45-291F-49AE-A1B6-715AA1DB6F91}" dt="2026-01-19T16:19:44.326" v="49174" actId="313"/>
+        <pc:chgData name="Dominik Dold" userId="f2e3d405450aa2f4" providerId="LiveId" clId="{5805CB45-291F-49AE-A1B6-715AA1DB6F91}" dt="2026-02-04T13:09:05.865" v="50023"/>
         <pc:sldMkLst>
           <pc:docMk/>
           <pc:sldMk cId="2242129806" sldId="350"/>
@@ -784,7 +776,7 @@
           </ac:spMkLst>
         </pc:spChg>
         <pc:spChg chg="add mod">
-          <ac:chgData name="Dominik Dold" userId="f2e3d405450aa2f4" providerId="LiveId" clId="{5805CB45-291F-49AE-A1B6-715AA1DB6F91}" dt="2026-01-19T16:19:44.326" v="49174" actId="313"/>
+          <ac:chgData name="Dominik Dold" userId="f2e3d405450aa2f4" providerId="LiveId" clId="{5805CB45-291F-49AE-A1B6-715AA1DB6F91}" dt="2026-02-04T13:09:05.865" v="50023"/>
           <ac:spMkLst>
             <pc:docMk/>
             <pc:sldMk cId="2242129806" sldId="350"/>
@@ -793,7 +785,7 @@
         </pc:spChg>
       </pc:sldChg>
       <pc:sldChg chg="addSp modSp new mod ord">
-        <pc:chgData name="Dominik Dold" userId="f2e3d405450aa2f4" providerId="LiveId" clId="{5805CB45-291F-49AE-A1B6-715AA1DB6F91}" dt="2026-01-13T13:20:42.378" v="42968"/>
+        <pc:chgData name="Dominik Dold" userId="f2e3d405450aa2f4" providerId="LiveId" clId="{5805CB45-291F-49AE-A1B6-715AA1DB6F91}" dt="2026-02-04T13:09:20.327" v="50025" actId="20577"/>
         <pc:sldMkLst>
           <pc:docMk/>
           <pc:sldMk cId="676430590" sldId="351"/>
@@ -815,7 +807,7 @@
           </ac:spMkLst>
         </pc:spChg>
         <pc:spChg chg="add mod">
-          <ac:chgData name="Dominik Dold" userId="f2e3d405450aa2f4" providerId="LiveId" clId="{5805CB45-291F-49AE-A1B6-715AA1DB6F91}" dt="2026-01-12T15:50:47.669" v="42690" actId="1076"/>
+          <ac:chgData name="Dominik Dold" userId="f2e3d405450aa2f4" providerId="LiveId" clId="{5805CB45-291F-49AE-A1B6-715AA1DB6F91}" dt="2026-02-04T13:09:20.327" v="50025" actId="20577"/>
           <ac:spMkLst>
             <pc:docMk/>
             <pc:sldMk cId="676430590" sldId="351"/>
@@ -848,11 +840,19 @@
         </pc:picChg>
       </pc:sldChg>
       <pc:sldChg chg="addSp delSp modSp add mod ord">
-        <pc:chgData name="Dominik Dold" userId="f2e3d405450aa2f4" providerId="LiveId" clId="{5805CB45-291F-49AE-A1B6-715AA1DB6F91}" dt="2026-01-13T13:20:42.378" v="42968"/>
+        <pc:chgData name="Dominik Dold" userId="f2e3d405450aa2f4" providerId="LiveId" clId="{5805CB45-291F-49AE-A1B6-715AA1DB6F91}" dt="2026-02-04T13:09:28.234" v="50027" actId="20577"/>
         <pc:sldMkLst>
           <pc:docMk/>
           <pc:sldMk cId="146593771" sldId="352"/>
         </pc:sldMkLst>
+        <pc:spChg chg="mod">
+          <ac:chgData name="Dominik Dold" userId="f2e3d405450aa2f4" providerId="LiveId" clId="{5805CB45-291F-49AE-A1B6-715AA1DB6F91}" dt="2026-02-04T13:09:28.234" v="50027" actId="20577"/>
+          <ac:spMkLst>
+            <pc:docMk/>
+            <pc:sldMk cId="146593771" sldId="352"/>
+            <ac:spMk id="6" creationId="{7809693E-5C8D-7AB5-4AF2-06FC975DEF5A}"/>
+          </ac:spMkLst>
+        </pc:spChg>
         <pc:picChg chg="add mod">
           <ac:chgData name="Dominik Dold" userId="f2e3d405450aa2f4" providerId="LiveId" clId="{5805CB45-291F-49AE-A1B6-715AA1DB6F91}" dt="2026-01-12T15:55:34.938" v="42720" actId="1076"/>
           <ac:picMkLst>
@@ -871,13 +871,21 @@
         </pc:picChg>
       </pc:sldChg>
       <pc:sldChg chg="addSp delSp modSp add mod ord">
-        <pc:chgData name="Dominik Dold" userId="f2e3d405450aa2f4" providerId="LiveId" clId="{5805CB45-291F-49AE-A1B6-715AA1DB6F91}" dt="2026-01-13T13:20:42.378" v="42968"/>
+        <pc:chgData name="Dominik Dold" userId="f2e3d405450aa2f4" providerId="LiveId" clId="{5805CB45-291F-49AE-A1B6-715AA1DB6F91}" dt="2026-02-04T13:10:33.703" v="50040" actId="1076"/>
         <pc:sldMkLst>
           <pc:docMk/>
           <pc:sldMk cId="4289648158" sldId="353"/>
         </pc:sldMkLst>
+        <pc:spChg chg="mod">
+          <ac:chgData name="Dominik Dold" userId="f2e3d405450aa2f4" providerId="LiveId" clId="{5805CB45-291F-49AE-A1B6-715AA1DB6F91}" dt="2026-02-04T13:09:42.547" v="50031" actId="20577"/>
+          <ac:spMkLst>
+            <pc:docMk/>
+            <pc:sldMk cId="4289648158" sldId="353"/>
+            <ac:spMk id="6" creationId="{3E30E361-FECD-B942-B2A8-457788EF2A09}"/>
+          </ac:spMkLst>
+        </pc:spChg>
         <pc:picChg chg="add mod">
-          <ac:chgData name="Dominik Dold" userId="f2e3d405450aa2f4" providerId="LiveId" clId="{5805CB45-291F-49AE-A1B6-715AA1DB6F91}" dt="2026-01-12T15:56:32.686" v="42741" actId="1076"/>
+          <ac:chgData name="Dominik Dold" userId="f2e3d405450aa2f4" providerId="LiveId" clId="{5805CB45-291F-49AE-A1B6-715AA1DB6F91}" dt="2026-02-04T13:10:33.703" v="50040" actId="1076"/>
           <ac:picMkLst>
             <pc:docMk/>
             <pc:sldMk cId="4289648158" sldId="353"/>
@@ -886,11 +894,19 @@
         </pc:picChg>
       </pc:sldChg>
       <pc:sldChg chg="addSp delSp modSp add mod ord">
-        <pc:chgData name="Dominik Dold" userId="f2e3d405450aa2f4" providerId="LiveId" clId="{5805CB45-291F-49AE-A1B6-715AA1DB6F91}" dt="2026-01-13T13:20:42.378" v="42968"/>
+        <pc:chgData name="Dominik Dold" userId="f2e3d405450aa2f4" providerId="LiveId" clId="{5805CB45-291F-49AE-A1B6-715AA1DB6F91}" dt="2026-02-04T13:12:09.139" v="50044" actId="20577"/>
         <pc:sldMkLst>
           <pc:docMk/>
           <pc:sldMk cId="2712640076" sldId="354"/>
         </pc:sldMkLst>
+        <pc:spChg chg="mod">
+          <ac:chgData name="Dominik Dold" userId="f2e3d405450aa2f4" providerId="LiveId" clId="{5805CB45-291F-49AE-A1B6-715AA1DB6F91}" dt="2026-02-04T13:12:09.139" v="50044" actId="20577"/>
+          <ac:spMkLst>
+            <pc:docMk/>
+            <pc:sldMk cId="2712640076" sldId="354"/>
+            <ac:spMk id="6" creationId="{A785AC1D-EF73-C1FD-B6BA-AE183A49A846}"/>
+          </ac:spMkLst>
+        </pc:spChg>
         <pc:spChg chg="add mod">
           <ac:chgData name="Dominik Dold" userId="f2e3d405450aa2f4" providerId="LiveId" clId="{5805CB45-291F-49AE-A1B6-715AA1DB6F91}" dt="2026-01-12T15:59:15.389" v="42896" actId="1076"/>
           <ac:spMkLst>
@@ -1020,7 +1036,7 @@
         </pc:spChg>
       </pc:sldChg>
       <pc:sldChg chg="addSp delSp modSp new mod addAnim delAnim modAnim">
-        <pc:chgData name="Dominik Dold" userId="f2e3d405450aa2f4" providerId="LiveId" clId="{5805CB45-291F-49AE-A1B6-715AA1DB6F91}" dt="2026-01-19T21:11:04.804" v="50001"/>
+        <pc:chgData name="Dominik Dold" userId="f2e3d405450aa2f4" providerId="LiveId" clId="{5805CB45-291F-49AE-A1B6-715AA1DB6F91}" dt="2026-02-04T13:08:42.564" v="50022" actId="20577"/>
         <pc:sldMkLst>
           <pc:docMk/>
           <pc:sldMk cId="2164648989" sldId="356"/>
@@ -1034,59 +1050,19 @@
           </ac:spMkLst>
         </pc:spChg>
         <pc:spChg chg="add mod">
-          <ac:chgData name="Dominik Dold" userId="f2e3d405450aa2f4" providerId="LiveId" clId="{5805CB45-291F-49AE-A1B6-715AA1DB6F91}" dt="2026-01-19T20:46:01.913" v="49534" actId="113"/>
+          <ac:chgData name="Dominik Dold" userId="f2e3d405450aa2f4" providerId="LiveId" clId="{5805CB45-291F-49AE-A1B6-715AA1DB6F91}" dt="2026-02-04T13:08:40.056" v="50021" actId="20577"/>
           <ac:spMkLst>
             <pc:docMk/>
             <pc:sldMk cId="2164648989" sldId="356"/>
             <ac:spMk id="4" creationId="{2E22AF5C-C7A1-2C31-41EE-658FED33006A}"/>
           </ac:spMkLst>
         </pc:spChg>
-        <pc:spChg chg="add del mod">
-          <ac:chgData name="Dominik Dold" userId="f2e3d405450aa2f4" providerId="LiveId" clId="{5805CB45-291F-49AE-A1B6-715AA1DB6F91}" dt="2026-01-19T20:47:16.277" v="49545" actId="478"/>
-          <ac:spMkLst>
-            <pc:docMk/>
-            <pc:sldMk cId="2164648989" sldId="356"/>
-            <ac:spMk id="5" creationId="{56E8346C-92A5-2385-E1C6-DE2C167FFDDE}"/>
-          </ac:spMkLst>
-        </pc:spChg>
         <pc:spChg chg="add mod">
-          <ac:chgData name="Dominik Dold" userId="f2e3d405450aa2f4" providerId="LiveId" clId="{5805CB45-291F-49AE-A1B6-715AA1DB6F91}" dt="2026-01-19T20:51:11.027" v="49635" actId="20577"/>
+          <ac:chgData name="Dominik Dold" userId="f2e3d405450aa2f4" providerId="LiveId" clId="{5805CB45-291F-49AE-A1B6-715AA1DB6F91}" dt="2026-02-04T13:08:42.564" v="50022" actId="20577"/>
           <ac:spMkLst>
             <pc:docMk/>
             <pc:sldMk cId="2164648989" sldId="356"/>
             <ac:spMk id="6" creationId="{6E6AE6D0-B123-1640-F923-38DB84089878}"/>
-          </ac:spMkLst>
-        </pc:spChg>
-        <pc:spChg chg="add del mod">
-          <ac:chgData name="Dominik Dold" userId="f2e3d405450aa2f4" providerId="LiveId" clId="{5805CB45-291F-49AE-A1B6-715AA1DB6F91}" dt="2026-01-19T20:47:28.517" v="49547" actId="478"/>
-          <ac:spMkLst>
-            <pc:docMk/>
-            <pc:sldMk cId="2164648989" sldId="356"/>
-            <ac:spMk id="10" creationId="{2AB88112-9A0A-255A-B1C3-B3F2D6C45E77}"/>
-          </ac:spMkLst>
-        </pc:spChg>
-        <pc:spChg chg="add del mod">
-          <ac:chgData name="Dominik Dold" userId="f2e3d405450aa2f4" providerId="LiveId" clId="{5805CB45-291F-49AE-A1B6-715AA1DB6F91}" dt="2026-01-19T21:10:23.696" v="49997" actId="478"/>
-          <ac:spMkLst>
-            <pc:docMk/>
-            <pc:sldMk cId="2164648989" sldId="356"/>
-            <ac:spMk id="11" creationId="{CCDDF326-989D-7CE7-DECB-EC6ECF9A9D43}"/>
-          </ac:spMkLst>
-        </pc:spChg>
-        <pc:spChg chg="add del mod">
-          <ac:chgData name="Dominik Dold" userId="f2e3d405450aa2f4" providerId="LiveId" clId="{5805CB45-291F-49AE-A1B6-715AA1DB6F91}" dt="2026-01-19T20:56:03.373" v="49727" actId="478"/>
-          <ac:spMkLst>
-            <pc:docMk/>
-            <pc:sldMk cId="2164648989" sldId="356"/>
-            <ac:spMk id="12" creationId="{3BD89FFB-7145-EAEB-A0DE-5645D3FF5359}"/>
-          </ac:spMkLst>
-        </pc:spChg>
-        <pc:spChg chg="add del mod">
-          <ac:chgData name="Dominik Dold" userId="f2e3d405450aa2f4" providerId="LiveId" clId="{5805CB45-291F-49AE-A1B6-715AA1DB6F91}" dt="2026-01-19T20:56:03.373" v="49727" actId="478"/>
-          <ac:spMkLst>
-            <pc:docMk/>
-            <pc:sldMk cId="2164648989" sldId="356"/>
-            <ac:spMk id="13" creationId="{CFA100DF-9ABF-0278-816B-75DE07988C99}"/>
           </ac:spMkLst>
         </pc:spChg>
         <pc:spChg chg="add mod">
@@ -1095,54 +1071,6 @@
             <pc:docMk/>
             <pc:sldMk cId="2164648989" sldId="356"/>
             <ac:spMk id="14" creationId="{84F9B7C1-FF24-2BAD-3E69-F4BE7B1184B2}"/>
-          </ac:spMkLst>
-        </pc:spChg>
-        <pc:spChg chg="add del mod">
-          <ac:chgData name="Dominik Dold" userId="f2e3d405450aa2f4" providerId="LiveId" clId="{5805CB45-291F-49AE-A1B6-715AA1DB6F91}" dt="2026-01-19T20:47:28.517" v="49547" actId="478"/>
-          <ac:spMkLst>
-            <pc:docMk/>
-            <pc:sldMk cId="2164648989" sldId="356"/>
-            <ac:spMk id="15" creationId="{046B0F16-C8A0-E87D-7C6B-0A1DC9994774}"/>
-          </ac:spMkLst>
-        </pc:spChg>
-        <pc:spChg chg="add del mod">
-          <ac:chgData name="Dominik Dold" userId="f2e3d405450aa2f4" providerId="LiveId" clId="{5805CB45-291F-49AE-A1B6-715AA1DB6F91}" dt="2026-01-19T20:56:04.729" v="49728" actId="478"/>
-          <ac:spMkLst>
-            <pc:docMk/>
-            <pc:sldMk cId="2164648989" sldId="356"/>
-            <ac:spMk id="16" creationId="{7A2262FE-1E99-378E-151F-9ACE60CC6A13}"/>
-          </ac:spMkLst>
-        </pc:spChg>
-        <pc:spChg chg="add del mod">
-          <ac:chgData name="Dominik Dold" userId="f2e3d405450aa2f4" providerId="LiveId" clId="{5805CB45-291F-49AE-A1B6-715AA1DB6F91}" dt="2026-01-19T20:54:07.785" v="49683" actId="478"/>
-          <ac:spMkLst>
-            <pc:docMk/>
-            <pc:sldMk cId="2164648989" sldId="356"/>
-            <ac:spMk id="17" creationId="{E09E8A6A-BFAF-1233-3969-8864F11A4C8F}"/>
-          </ac:spMkLst>
-        </pc:spChg>
-        <pc:spChg chg="add del mod">
-          <ac:chgData name="Dominik Dold" userId="f2e3d405450aa2f4" providerId="LiveId" clId="{5805CB45-291F-49AE-A1B6-715AA1DB6F91}" dt="2026-01-19T20:47:28.517" v="49547" actId="478"/>
-          <ac:spMkLst>
-            <pc:docMk/>
-            <pc:sldMk cId="2164648989" sldId="356"/>
-            <ac:spMk id="18" creationId="{B315E57B-EEEB-F056-4FB0-D31297AB664B}"/>
-          </ac:spMkLst>
-        </pc:spChg>
-        <pc:spChg chg="add del mod">
-          <ac:chgData name="Dominik Dold" userId="f2e3d405450aa2f4" providerId="LiveId" clId="{5805CB45-291F-49AE-A1B6-715AA1DB6F91}" dt="2026-01-19T20:47:28.517" v="49547" actId="478"/>
-          <ac:spMkLst>
-            <pc:docMk/>
-            <pc:sldMk cId="2164648989" sldId="356"/>
-            <ac:spMk id="19" creationId="{3439D974-8E31-4B45-249A-E7D5178925FA}"/>
-          </ac:spMkLst>
-        </pc:spChg>
-        <pc:spChg chg="add del mod">
-          <ac:chgData name="Dominik Dold" userId="f2e3d405450aa2f4" providerId="LiveId" clId="{5805CB45-291F-49AE-A1B6-715AA1DB6F91}" dt="2026-01-19T20:47:28.517" v="49547" actId="478"/>
-          <ac:spMkLst>
-            <pc:docMk/>
-            <pc:sldMk cId="2164648989" sldId="356"/>
-            <ac:spMk id="20" creationId="{51D6CEC1-3499-C770-2AA3-2FD71DDF40B1}"/>
           </ac:spMkLst>
         </pc:spChg>
         <pc:spChg chg="add mod">
@@ -1159,302 +1087,6 @@
             <pc:docMk/>
             <pc:sldMk cId="2164648989" sldId="356"/>
             <ac:spMk id="25" creationId="{0FA90AD4-DF70-E8EF-437F-B6DFDFB97B02}"/>
-          </ac:spMkLst>
-        </pc:spChg>
-        <pc:spChg chg="add del mod ord">
-          <ac:chgData name="Dominik Dold" userId="f2e3d405450aa2f4" providerId="LiveId" clId="{5805CB45-291F-49AE-A1B6-715AA1DB6F91}" dt="2026-01-19T21:10:28.145" v="49998" actId="478"/>
-          <ac:spMkLst>
-            <pc:docMk/>
-            <pc:sldMk cId="2164648989" sldId="356"/>
-            <ac:spMk id="27" creationId="{482469D5-00A1-B974-9381-DC6A6A4E2BC0}"/>
-          </ac:spMkLst>
-        </pc:spChg>
-        <pc:spChg chg="add del mod ord">
-          <ac:chgData name="Dominik Dold" userId="f2e3d405450aa2f4" providerId="LiveId" clId="{5805CB45-291F-49AE-A1B6-715AA1DB6F91}" dt="2026-01-19T21:10:31.056" v="49999" actId="478"/>
-          <ac:spMkLst>
-            <pc:docMk/>
-            <pc:sldMk cId="2164648989" sldId="356"/>
-            <ac:spMk id="28" creationId="{941A6D7B-62E7-5C87-6876-529BE00E28F4}"/>
-          </ac:spMkLst>
-        </pc:spChg>
-        <pc:spChg chg="add del mod ord">
-          <ac:chgData name="Dominik Dold" userId="f2e3d405450aa2f4" providerId="LiveId" clId="{5805CB45-291F-49AE-A1B6-715AA1DB6F91}" dt="2026-01-19T21:10:31.056" v="49999" actId="478"/>
-          <ac:spMkLst>
-            <pc:docMk/>
-            <pc:sldMk cId="2164648989" sldId="356"/>
-            <ac:spMk id="29" creationId="{6C2355DD-9216-0152-80E1-1E32F104B0C1}"/>
-          </ac:spMkLst>
-        </pc:spChg>
-        <pc:spChg chg="add del mod ord">
-          <ac:chgData name="Dominik Dold" userId="f2e3d405450aa2f4" providerId="LiveId" clId="{5805CB45-291F-49AE-A1B6-715AA1DB6F91}" dt="2026-01-19T21:10:28.145" v="49998" actId="478"/>
-          <ac:spMkLst>
-            <pc:docMk/>
-            <pc:sldMk cId="2164648989" sldId="356"/>
-            <ac:spMk id="30" creationId="{E5EDB1E2-D17A-AEF1-B190-6522ABC2B462}"/>
-          </ac:spMkLst>
-        </pc:spChg>
-        <pc:spChg chg="add del mod">
-          <ac:chgData name="Dominik Dold" userId="f2e3d405450aa2f4" providerId="LiveId" clId="{5805CB45-291F-49AE-A1B6-715AA1DB6F91}" dt="2026-01-19T21:10:28.145" v="49998" actId="478"/>
-          <ac:spMkLst>
-            <pc:docMk/>
-            <pc:sldMk cId="2164648989" sldId="356"/>
-            <ac:spMk id="31" creationId="{D91A2A31-3164-B334-6E15-3788EBE67A59}"/>
-          </ac:spMkLst>
-        </pc:spChg>
-        <pc:spChg chg="add del mod">
-          <ac:chgData name="Dominik Dold" userId="f2e3d405450aa2f4" providerId="LiveId" clId="{5805CB45-291F-49AE-A1B6-715AA1DB6F91}" dt="2026-01-19T21:10:28.145" v="49998" actId="478"/>
-          <ac:spMkLst>
-            <pc:docMk/>
-            <pc:sldMk cId="2164648989" sldId="356"/>
-            <ac:spMk id="32" creationId="{E3B00AE4-987E-3914-E51F-A3A3A7EEF2DA}"/>
-          </ac:spMkLst>
-        </pc:spChg>
-        <pc:spChg chg="add del mod">
-          <ac:chgData name="Dominik Dold" userId="f2e3d405450aa2f4" providerId="LiveId" clId="{5805CB45-291F-49AE-A1B6-715AA1DB6F91}" dt="2026-01-19T21:10:28.145" v="49998" actId="478"/>
-          <ac:spMkLst>
-            <pc:docMk/>
-            <pc:sldMk cId="2164648989" sldId="356"/>
-            <ac:spMk id="33" creationId="{AA42B5A8-73B3-1964-23E8-DABCE737935F}"/>
-          </ac:spMkLst>
-        </pc:spChg>
-        <pc:spChg chg="add del mod">
-          <ac:chgData name="Dominik Dold" userId="f2e3d405450aa2f4" providerId="LiveId" clId="{5805CB45-291F-49AE-A1B6-715AA1DB6F91}" dt="2026-01-19T21:10:28.145" v="49998" actId="478"/>
-          <ac:spMkLst>
-            <pc:docMk/>
-            <pc:sldMk cId="2164648989" sldId="356"/>
-            <ac:spMk id="34" creationId="{EBB4CE0E-95EE-0352-7C8B-B7FAB4AEE58B}"/>
-          </ac:spMkLst>
-        </pc:spChg>
-        <pc:spChg chg="add del mod">
-          <ac:chgData name="Dominik Dold" userId="f2e3d405450aa2f4" providerId="LiveId" clId="{5805CB45-291F-49AE-A1B6-715AA1DB6F91}" dt="2026-01-19T21:10:28.145" v="49998" actId="478"/>
-          <ac:spMkLst>
-            <pc:docMk/>
-            <pc:sldMk cId="2164648989" sldId="356"/>
-            <ac:spMk id="41" creationId="{CC9614B4-8DF9-B11F-E7F2-EFF48289B901}"/>
-          </ac:spMkLst>
-        </pc:spChg>
-        <pc:spChg chg="add del mod">
-          <ac:chgData name="Dominik Dold" userId="f2e3d405450aa2f4" providerId="LiveId" clId="{5805CB45-291F-49AE-A1B6-715AA1DB6F91}" dt="2026-01-19T21:10:28.145" v="49998" actId="478"/>
-          <ac:spMkLst>
-            <pc:docMk/>
-            <pc:sldMk cId="2164648989" sldId="356"/>
-            <ac:spMk id="42" creationId="{22DBCD6C-5317-CCDF-8E80-9EDB92B61DF4}"/>
-          </ac:spMkLst>
-        </pc:spChg>
-        <pc:spChg chg="add del mod">
-          <ac:chgData name="Dominik Dold" userId="f2e3d405450aa2f4" providerId="LiveId" clId="{5805CB45-291F-49AE-A1B6-715AA1DB6F91}" dt="2026-01-19T21:10:28.145" v="49998" actId="478"/>
-          <ac:spMkLst>
-            <pc:docMk/>
-            <pc:sldMk cId="2164648989" sldId="356"/>
-            <ac:spMk id="43" creationId="{7CFE5D4E-2CBA-44F0-6CC7-391ED5F58031}"/>
-          </ac:spMkLst>
-        </pc:spChg>
-        <pc:spChg chg="add del mod">
-          <ac:chgData name="Dominik Dold" userId="f2e3d405450aa2f4" providerId="LiveId" clId="{5805CB45-291F-49AE-A1B6-715AA1DB6F91}" dt="2026-01-19T21:10:28.145" v="49998" actId="478"/>
-          <ac:spMkLst>
-            <pc:docMk/>
-            <pc:sldMk cId="2164648989" sldId="356"/>
-            <ac:spMk id="44" creationId="{4457EE98-2413-F83B-5A7F-92E18D8C1EA1}"/>
-          </ac:spMkLst>
-        </pc:spChg>
-        <pc:spChg chg="add del mod">
-          <ac:chgData name="Dominik Dold" userId="f2e3d405450aa2f4" providerId="LiveId" clId="{5805CB45-291F-49AE-A1B6-715AA1DB6F91}" dt="2026-01-19T21:10:23.696" v="49997" actId="478"/>
-          <ac:spMkLst>
-            <pc:docMk/>
-            <pc:sldMk cId="2164648989" sldId="356"/>
-            <ac:spMk id="45" creationId="{284DC4AC-6461-687F-7812-94645A32B511}"/>
-          </ac:spMkLst>
-        </pc:spChg>
-        <pc:spChg chg="add del mod">
-          <ac:chgData name="Dominik Dold" userId="f2e3d405450aa2f4" providerId="LiveId" clId="{5805CB45-291F-49AE-A1B6-715AA1DB6F91}" dt="2026-01-19T21:10:23.696" v="49997" actId="478"/>
-          <ac:spMkLst>
-            <pc:docMk/>
-            <pc:sldMk cId="2164648989" sldId="356"/>
-            <ac:spMk id="46" creationId="{A2161294-24AB-CC17-C521-E4500970707A}"/>
-          </ac:spMkLst>
-        </pc:spChg>
-        <pc:spChg chg="add del mod">
-          <ac:chgData name="Dominik Dold" userId="f2e3d405450aa2f4" providerId="LiveId" clId="{5805CB45-291F-49AE-A1B6-715AA1DB6F91}" dt="2026-01-19T21:09:28.418" v="49988" actId="478"/>
-          <ac:spMkLst>
-            <pc:docMk/>
-            <pc:sldMk cId="2164648989" sldId="356"/>
-            <ac:spMk id="47" creationId="{4F5FE783-CD57-1D4F-F083-63ED26D57ED7}"/>
-          </ac:spMkLst>
-        </pc:spChg>
-        <pc:spChg chg="add del">
-          <ac:chgData name="Dominik Dold" userId="f2e3d405450aa2f4" providerId="LiveId" clId="{5805CB45-291F-49AE-A1B6-715AA1DB6F91}" dt="2026-01-19T20:57:24.998" v="49772" actId="478"/>
-          <ac:spMkLst>
-            <pc:docMk/>
-            <pc:sldMk cId="2164648989" sldId="356"/>
-            <ac:spMk id="48" creationId="{20A2E99F-8743-1E33-F2CD-3196740BC5E8}"/>
-          </ac:spMkLst>
-        </pc:spChg>
-        <pc:spChg chg="add del mod">
-          <ac:chgData name="Dominik Dold" userId="f2e3d405450aa2f4" providerId="LiveId" clId="{5805CB45-291F-49AE-A1B6-715AA1DB6F91}" dt="2026-01-19T20:57:24.998" v="49772" actId="478"/>
-          <ac:spMkLst>
-            <pc:docMk/>
-            <pc:sldMk cId="2164648989" sldId="356"/>
-            <ac:spMk id="49" creationId="{033DFF44-DFAA-4C2E-9C95-4E6FD14756E3}"/>
-          </ac:spMkLst>
-        </pc:spChg>
-        <pc:spChg chg="del">
-          <ac:chgData name="Dominik Dold" userId="f2e3d405450aa2f4" providerId="LiveId" clId="{5805CB45-291F-49AE-A1B6-715AA1DB6F91}" dt="2026-01-19T20:57:18.180" v="49769" actId="478"/>
-          <ac:spMkLst>
-            <pc:docMk/>
-            <pc:sldMk cId="2164648989" sldId="356"/>
-            <ac:spMk id="50" creationId="{802D1435-1AB2-36BC-69EB-120DF990170E}"/>
-          </ac:spMkLst>
-        </pc:spChg>
-        <pc:spChg chg="del">
-          <ac:chgData name="Dominik Dold" userId="f2e3d405450aa2f4" providerId="LiveId" clId="{5805CB45-291F-49AE-A1B6-715AA1DB6F91}" dt="2026-01-19T20:57:18.180" v="49769" actId="478"/>
-          <ac:spMkLst>
-            <pc:docMk/>
-            <pc:sldMk cId="2164648989" sldId="356"/>
-            <ac:spMk id="51" creationId="{9F35128E-81C2-78C0-548D-0872C29F6D7E}"/>
-          </ac:spMkLst>
-        </pc:spChg>
-        <pc:spChg chg="add del mod">
-          <ac:chgData name="Dominik Dold" userId="f2e3d405450aa2f4" providerId="LiveId" clId="{5805CB45-291F-49AE-A1B6-715AA1DB6F91}" dt="2026-01-19T21:09:28.418" v="49988" actId="478"/>
-          <ac:spMkLst>
-            <pc:docMk/>
-            <pc:sldMk cId="2164648989" sldId="356"/>
-            <ac:spMk id="54" creationId="{659C80EA-54D2-0B56-473A-2F33A5A07C96}"/>
-          </ac:spMkLst>
-        </pc:spChg>
-        <pc:spChg chg="add del mod">
-          <ac:chgData name="Dominik Dold" userId="f2e3d405450aa2f4" providerId="LiveId" clId="{5805CB45-291F-49AE-A1B6-715AA1DB6F91}" dt="2026-01-19T21:09:31.151" v="49989" actId="478"/>
-          <ac:spMkLst>
-            <pc:docMk/>
-            <pc:sldMk cId="2164648989" sldId="356"/>
-            <ac:spMk id="55" creationId="{D8E63B89-6631-442E-3833-2F5BD6CD83E9}"/>
-          </ac:spMkLst>
-        </pc:spChg>
-        <pc:spChg chg="add del mod">
-          <ac:chgData name="Dominik Dold" userId="f2e3d405450aa2f4" providerId="LiveId" clId="{5805CB45-291F-49AE-A1B6-715AA1DB6F91}" dt="2026-01-19T20:57:18.180" v="49769" actId="478"/>
-          <ac:spMkLst>
-            <pc:docMk/>
-            <pc:sldMk cId="2164648989" sldId="356"/>
-            <ac:spMk id="56" creationId="{DF1BDF1B-9462-A155-83FC-916D840B84DC}"/>
-          </ac:spMkLst>
-        </pc:spChg>
-        <pc:spChg chg="add del mod">
-          <ac:chgData name="Dominik Dold" userId="f2e3d405450aa2f4" providerId="LiveId" clId="{5805CB45-291F-49AE-A1B6-715AA1DB6F91}" dt="2026-01-19T20:57:18.180" v="49769" actId="478"/>
-          <ac:spMkLst>
-            <pc:docMk/>
-            <pc:sldMk cId="2164648989" sldId="356"/>
-            <ac:spMk id="57" creationId="{E91A75A3-8CAB-BAA1-2564-BEFFF60CE85D}"/>
-          </ac:spMkLst>
-        </pc:spChg>
-        <pc:spChg chg="add del mod">
-          <ac:chgData name="Dominik Dold" userId="f2e3d405450aa2f4" providerId="LiveId" clId="{5805CB45-291F-49AE-A1B6-715AA1DB6F91}" dt="2026-01-19T20:57:18.180" v="49769" actId="478"/>
-          <ac:spMkLst>
-            <pc:docMk/>
-            <pc:sldMk cId="2164648989" sldId="356"/>
-            <ac:spMk id="58" creationId="{A91B67EF-C432-34DC-7537-E590B0762057}"/>
-          </ac:spMkLst>
-        </pc:spChg>
-        <pc:spChg chg="add del mod">
-          <ac:chgData name="Dominik Dold" userId="f2e3d405450aa2f4" providerId="LiveId" clId="{5805CB45-291F-49AE-A1B6-715AA1DB6F91}" dt="2026-01-19T20:57:18.180" v="49769" actId="478"/>
-          <ac:spMkLst>
-            <pc:docMk/>
-            <pc:sldMk cId="2164648989" sldId="356"/>
-            <ac:spMk id="59" creationId="{1D36644B-95E6-7DA8-E809-8264A1BCF860}"/>
-          </ac:spMkLst>
-        </pc:spChg>
-        <pc:spChg chg="add del mod">
-          <ac:chgData name="Dominik Dold" userId="f2e3d405450aa2f4" providerId="LiveId" clId="{5805CB45-291F-49AE-A1B6-715AA1DB6F91}" dt="2026-01-19T20:57:18.180" v="49769" actId="478"/>
-          <ac:spMkLst>
-            <pc:docMk/>
-            <pc:sldMk cId="2164648989" sldId="356"/>
-            <ac:spMk id="62" creationId="{3954FEFD-DDD2-9FC1-F00F-225763042D62}"/>
-          </ac:spMkLst>
-        </pc:spChg>
-        <pc:spChg chg="add del mod">
-          <ac:chgData name="Dominik Dold" userId="f2e3d405450aa2f4" providerId="LiveId" clId="{5805CB45-291F-49AE-A1B6-715AA1DB6F91}" dt="2026-01-19T20:57:18.180" v="49769" actId="478"/>
-          <ac:spMkLst>
-            <pc:docMk/>
-            <pc:sldMk cId="2164648989" sldId="356"/>
-            <ac:spMk id="63" creationId="{751EBB0E-8298-A5F0-8FE3-DACDC7795AD9}"/>
-          </ac:spMkLst>
-        </pc:spChg>
-        <pc:spChg chg="add del mod">
-          <ac:chgData name="Dominik Dold" userId="f2e3d405450aa2f4" providerId="LiveId" clId="{5805CB45-291F-49AE-A1B6-715AA1DB6F91}" dt="2026-01-19T20:57:18.180" v="49769" actId="478"/>
-          <ac:spMkLst>
-            <pc:docMk/>
-            <pc:sldMk cId="2164648989" sldId="356"/>
-            <ac:spMk id="64" creationId="{407F875E-8514-A983-D7B0-89E52463DB9D}"/>
-          </ac:spMkLst>
-        </pc:spChg>
-        <pc:spChg chg="add del mod">
-          <ac:chgData name="Dominik Dold" userId="f2e3d405450aa2f4" providerId="LiveId" clId="{5805CB45-291F-49AE-A1B6-715AA1DB6F91}" dt="2026-01-19T20:57:18.180" v="49769" actId="478"/>
-          <ac:spMkLst>
-            <pc:docMk/>
-            <pc:sldMk cId="2164648989" sldId="356"/>
-            <ac:spMk id="65" creationId="{DCF82FE5-DDC4-E08B-5994-C2C35E94F4EB}"/>
-          </ac:spMkLst>
-        </pc:spChg>
-        <pc:spChg chg="add del mod">
-          <ac:chgData name="Dominik Dold" userId="f2e3d405450aa2f4" providerId="LiveId" clId="{5805CB45-291F-49AE-A1B6-715AA1DB6F91}" dt="2026-01-19T21:10:16.657" v="49995" actId="478"/>
-          <ac:spMkLst>
-            <pc:docMk/>
-            <pc:sldMk cId="2164648989" sldId="356"/>
-            <ac:spMk id="66" creationId="{066F6D1F-215A-34E2-1093-B750F92888E2}"/>
-          </ac:spMkLst>
-        </pc:spChg>
-        <pc:spChg chg="add del">
-          <ac:chgData name="Dominik Dold" userId="f2e3d405450aa2f4" providerId="LiveId" clId="{5805CB45-291F-49AE-A1B6-715AA1DB6F91}" dt="2026-01-19T20:59:09.653" v="49801" actId="11529"/>
-          <ac:spMkLst>
-            <pc:docMk/>
-            <pc:sldMk cId="2164648989" sldId="356"/>
-            <ac:spMk id="67" creationId="{6A09B946-5BD7-FB29-F4B6-273ECD8E15E3}"/>
-          </ac:spMkLst>
-        </pc:spChg>
-        <pc:spChg chg="add del mod">
-          <ac:chgData name="Dominik Dold" userId="f2e3d405450aa2f4" providerId="LiveId" clId="{5805CB45-291F-49AE-A1B6-715AA1DB6F91}" dt="2026-01-19T21:09:28.418" v="49988" actId="478"/>
-          <ac:spMkLst>
-            <pc:docMk/>
-            <pc:sldMk cId="2164648989" sldId="356"/>
-            <ac:spMk id="68" creationId="{13BE955E-C702-0679-9621-09D1713FA7EF}"/>
-          </ac:spMkLst>
-        </pc:spChg>
-        <pc:spChg chg="add del mod">
-          <ac:chgData name="Dominik Dold" userId="f2e3d405450aa2f4" providerId="LiveId" clId="{5805CB45-291F-49AE-A1B6-715AA1DB6F91}" dt="2026-01-19T21:09:28.418" v="49988" actId="478"/>
-          <ac:spMkLst>
-            <pc:docMk/>
-            <pc:sldMk cId="2164648989" sldId="356"/>
-            <ac:spMk id="69" creationId="{546293C9-453C-5B76-E6DB-3EC261FEDF33}"/>
-          </ac:spMkLst>
-        </pc:spChg>
-        <pc:spChg chg="add del mod">
-          <ac:chgData name="Dominik Dold" userId="f2e3d405450aa2f4" providerId="LiveId" clId="{5805CB45-291F-49AE-A1B6-715AA1DB6F91}" dt="2026-01-19T21:10:19.004" v="49996" actId="478"/>
-          <ac:spMkLst>
-            <pc:docMk/>
-            <pc:sldMk cId="2164648989" sldId="356"/>
-            <ac:spMk id="70" creationId="{D15C7141-6C9C-F83C-167B-128D9B446F77}"/>
-          </ac:spMkLst>
-        </pc:spChg>
-        <pc:spChg chg="add del mod">
-          <ac:chgData name="Dominik Dold" userId="f2e3d405450aa2f4" providerId="LiveId" clId="{5805CB45-291F-49AE-A1B6-715AA1DB6F91}" dt="2026-01-19T21:09:28.418" v="49988" actId="478"/>
-          <ac:spMkLst>
-            <pc:docMk/>
-            <pc:sldMk cId="2164648989" sldId="356"/>
-            <ac:spMk id="71" creationId="{C8465D15-858C-2D8D-1916-3AFB9AB0FB73}"/>
-          </ac:spMkLst>
-        </pc:spChg>
-        <pc:spChg chg="add del mod">
-          <ac:chgData name="Dominik Dold" userId="f2e3d405450aa2f4" providerId="LiveId" clId="{5805CB45-291F-49AE-A1B6-715AA1DB6F91}" dt="2026-01-19T21:09:28.418" v="49988" actId="478"/>
-          <ac:spMkLst>
-            <pc:docMk/>
-            <pc:sldMk cId="2164648989" sldId="356"/>
-            <ac:spMk id="72" creationId="{48697D44-ECF2-D923-7E85-085C2508512A}"/>
-          </ac:spMkLst>
-        </pc:spChg>
-        <pc:spChg chg="add del mod">
-          <ac:chgData name="Dominik Dold" userId="f2e3d405450aa2f4" providerId="LiveId" clId="{5805CB45-291F-49AE-A1B6-715AA1DB6F91}" dt="2026-01-19T21:09:31.151" v="49989" actId="478"/>
-          <ac:spMkLst>
-            <pc:docMk/>
-            <pc:sldMk cId="2164648989" sldId="356"/>
-            <ac:spMk id="79" creationId="{2961A1CB-82AE-1150-2A42-29E5F8439922}"/>
           </ac:spMkLst>
         </pc:spChg>
         <pc:spChg chg="add mod">
@@ -1481,14 +1113,6 @@
             <ac:spMk id="84" creationId="{8F818459-5E09-7AC4-1802-279F30CC2B68}"/>
           </ac:spMkLst>
         </pc:spChg>
-        <pc:picChg chg="add del mod modCrop">
-          <ac:chgData name="Dominik Dold" userId="f2e3d405450aa2f4" providerId="LiveId" clId="{5805CB45-291F-49AE-A1B6-715AA1DB6F91}" dt="2026-01-19T20:38:56.749" v="49191" actId="478"/>
-          <ac:picMkLst>
-            <pc:docMk/>
-            <pc:sldMk cId="2164648989" sldId="356"/>
-            <ac:picMk id="8" creationId="{FBE4108C-2BE1-C40D-2928-7989019FCDF9}"/>
-          </ac:picMkLst>
-        </pc:picChg>
         <pc:cxnChg chg="add mod">
           <ac:chgData name="Dominik Dold" userId="f2e3d405450aa2f4" providerId="LiveId" clId="{5805CB45-291F-49AE-A1B6-715AA1DB6F91}" dt="2026-01-19T20:48:21.975" v="49564" actId="1076"/>
           <ac:cxnSpMkLst>
@@ -1503,86 +1127,6 @@
             <pc:docMk/>
             <pc:sldMk cId="2164648989" sldId="356"/>
             <ac:cxnSpMk id="9" creationId="{B9D22531-456E-6E4B-1ADB-4EB0AFADBEF5}"/>
-          </ac:cxnSpMkLst>
-        </pc:cxnChg>
-        <pc:cxnChg chg="del">
-          <ac:chgData name="Dominik Dold" userId="f2e3d405450aa2f4" providerId="LiveId" clId="{5805CB45-291F-49AE-A1B6-715AA1DB6F91}" dt="2026-01-19T20:47:28.517" v="49547" actId="478"/>
-          <ac:cxnSpMkLst>
-            <pc:docMk/>
-            <pc:sldMk cId="2164648989" sldId="356"/>
-            <ac:cxnSpMk id="21" creationId="{9A291685-D215-2BE4-741E-BEAD11E8EEF3}"/>
-          </ac:cxnSpMkLst>
-        </pc:cxnChg>
-        <pc:cxnChg chg="add del mod">
-          <ac:chgData name="Dominik Dold" userId="f2e3d405450aa2f4" providerId="LiveId" clId="{5805CB45-291F-49AE-A1B6-715AA1DB6F91}" dt="2026-01-19T20:47:28.517" v="49547" actId="478"/>
-          <ac:cxnSpMkLst>
-            <pc:docMk/>
-            <pc:sldMk cId="2164648989" sldId="356"/>
-            <ac:cxnSpMk id="22" creationId="{52FE64B3-864B-FB2D-E849-3158ABF15528}"/>
-          </ac:cxnSpMkLst>
-        </pc:cxnChg>
-        <pc:cxnChg chg="add del mod">
-          <ac:chgData name="Dominik Dold" userId="f2e3d405450aa2f4" providerId="LiveId" clId="{5805CB45-291F-49AE-A1B6-715AA1DB6F91}" dt="2026-01-19T20:47:28.517" v="49547" actId="478"/>
-          <ac:cxnSpMkLst>
-            <pc:docMk/>
-            <pc:sldMk cId="2164648989" sldId="356"/>
-            <ac:cxnSpMk id="23" creationId="{EBF2B22D-9873-3D8C-4F03-9E254DB598AA}"/>
-          </ac:cxnSpMkLst>
-        </pc:cxnChg>
-        <pc:cxnChg chg="add del mod">
-          <ac:chgData name="Dominik Dold" userId="f2e3d405450aa2f4" providerId="LiveId" clId="{5805CB45-291F-49AE-A1B6-715AA1DB6F91}" dt="2026-01-19T21:10:31.056" v="49999" actId="478"/>
-          <ac:cxnSpMkLst>
-            <pc:docMk/>
-            <pc:sldMk cId="2164648989" sldId="356"/>
-            <ac:cxnSpMk id="36" creationId="{9ABFC05A-4857-750F-8F16-57C9C1E5B345}"/>
-          </ac:cxnSpMkLst>
-        </pc:cxnChg>
-        <pc:cxnChg chg="add mod">
-          <ac:chgData name="Dominik Dold" userId="f2e3d405450aa2f4" providerId="LiveId" clId="{5805CB45-291F-49AE-A1B6-715AA1DB6F91}" dt="2026-01-19T20:53:06.982" v="49657" actId="14100"/>
-          <ac:cxnSpMkLst>
-            <pc:docMk/>
-            <pc:sldMk cId="2164648989" sldId="356"/>
-            <ac:cxnSpMk id="37" creationId="{5FD47DE2-A49E-0B0B-7C01-B4D6DCB2FAC2}"/>
-          </ac:cxnSpMkLst>
-        </pc:cxnChg>
-        <pc:cxnChg chg="add del">
-          <ac:chgData name="Dominik Dold" userId="f2e3d405450aa2f4" providerId="LiveId" clId="{5805CB45-291F-49AE-A1B6-715AA1DB6F91}" dt="2026-01-19T21:09:28.418" v="49988" actId="478"/>
-          <ac:cxnSpMkLst>
-            <pc:docMk/>
-            <pc:sldMk cId="2164648989" sldId="356"/>
-            <ac:cxnSpMk id="52" creationId="{321339AE-E82C-187C-7CFA-E56905744F6C}"/>
-          </ac:cxnSpMkLst>
-        </pc:cxnChg>
-        <pc:cxnChg chg="del">
-          <ac:chgData name="Dominik Dold" userId="f2e3d405450aa2f4" providerId="LiveId" clId="{5805CB45-291F-49AE-A1B6-715AA1DB6F91}" dt="2026-01-19T21:09:28.418" v="49988" actId="478"/>
-          <ac:cxnSpMkLst>
-            <pc:docMk/>
-            <pc:sldMk cId="2164648989" sldId="356"/>
-            <ac:cxnSpMk id="53" creationId="{CBB9C521-D088-9BF9-5F0F-860EB5A1410E}"/>
-          </ac:cxnSpMkLst>
-        </pc:cxnChg>
-        <pc:cxnChg chg="add del">
-          <ac:chgData name="Dominik Dold" userId="f2e3d405450aa2f4" providerId="LiveId" clId="{5805CB45-291F-49AE-A1B6-715AA1DB6F91}" dt="2026-01-19T20:57:24.998" v="49772" actId="478"/>
-          <ac:cxnSpMkLst>
-            <pc:docMk/>
-            <pc:sldMk cId="2164648989" sldId="356"/>
-            <ac:cxnSpMk id="61" creationId="{01DEA248-A723-EBFA-7017-95ED2565C41A}"/>
-          </ac:cxnSpMkLst>
-        </pc:cxnChg>
-        <pc:cxnChg chg="add del mod ord">
-          <ac:chgData name="Dominik Dold" userId="f2e3d405450aa2f4" providerId="LiveId" clId="{5805CB45-291F-49AE-A1B6-715AA1DB6F91}" dt="2026-01-19T21:09:28.418" v="49988" actId="478"/>
-          <ac:cxnSpMkLst>
-            <pc:docMk/>
-            <pc:sldMk cId="2164648989" sldId="356"/>
-            <ac:cxnSpMk id="74" creationId="{FFA91DB7-EB71-3E1C-328A-E1219FD5A2AB}"/>
-          </ac:cxnSpMkLst>
-        </pc:cxnChg>
-        <pc:cxnChg chg="add del mod">
-          <ac:chgData name="Dominik Dold" userId="f2e3d405450aa2f4" providerId="LiveId" clId="{5805CB45-291F-49AE-A1B6-715AA1DB6F91}" dt="2026-01-19T21:09:28.418" v="49988" actId="478"/>
-          <ac:cxnSpMkLst>
-            <pc:docMk/>
-            <pc:sldMk cId="2164648989" sldId="356"/>
-            <ac:cxnSpMk id="81" creationId="{F1D3F855-965E-64F2-BF68-5350E2AC358C}"/>
           </ac:cxnSpMkLst>
         </pc:cxnChg>
       </pc:sldChg>
@@ -1746,7 +1290,7 @@
         </pc:cxnChg>
       </pc:sldChg>
       <pc:sldChg chg="addSp modSp new mod modAnim">
-        <pc:chgData name="Dominik Dold" userId="f2e3d405450aa2f4" providerId="LiveId" clId="{5805CB45-291F-49AE-A1B6-715AA1DB6F91}" dt="2026-01-14T15:42:04.235" v="49125"/>
+        <pc:chgData name="Dominik Dold" userId="f2e3d405450aa2f4" providerId="LiveId" clId="{5805CB45-291F-49AE-A1B6-715AA1DB6F91}" dt="2026-02-04T13:07:19.979" v="50011" actId="20577"/>
         <pc:sldMkLst>
           <pc:docMk/>
           <pc:sldMk cId="1635907736" sldId="358"/>
@@ -1768,7 +1312,7 @@
           </ac:spMkLst>
         </pc:spChg>
         <pc:spChg chg="add mod">
-          <ac:chgData name="Dominik Dold" userId="f2e3d405450aa2f4" providerId="LiveId" clId="{5805CB45-291F-49AE-A1B6-715AA1DB6F91}" dt="2026-01-13T16:35:28.777" v="45392" actId="20577"/>
+          <ac:chgData name="Dominik Dold" userId="f2e3d405450aa2f4" providerId="LiveId" clId="{5805CB45-291F-49AE-A1B6-715AA1DB6F91}" dt="2026-02-04T13:07:19.979" v="50011" actId="20577"/>
           <ac:spMkLst>
             <pc:docMk/>
             <pc:sldMk cId="1635907736" sldId="358"/>
@@ -1801,7 +1345,7 @@
         </pc:spChg>
       </pc:sldChg>
       <pc:sldChg chg="addSp delSp modSp add mod modAnim">
-        <pc:chgData name="Dominik Dold" userId="f2e3d405450aa2f4" providerId="LiveId" clId="{5805CB45-291F-49AE-A1B6-715AA1DB6F91}" dt="2026-01-14T15:38:09.888" v="49072"/>
+        <pc:chgData name="Dominik Dold" userId="f2e3d405450aa2f4" providerId="LiveId" clId="{5805CB45-291F-49AE-A1B6-715AA1DB6F91}" dt="2026-02-04T13:13:16.647" v="50045" actId="20577"/>
         <pc:sldMkLst>
           <pc:docMk/>
           <pc:sldMk cId="2311054438" sldId="359"/>
@@ -1927,7 +1471,7 @@
           </ac:spMkLst>
         </pc:spChg>
         <pc:spChg chg="mod">
-          <ac:chgData name="Dominik Dold" userId="f2e3d405450aa2f4" providerId="LiveId" clId="{5805CB45-291F-49AE-A1B6-715AA1DB6F91}" dt="2026-01-14T15:28:49.523" v="48416" actId="20577"/>
+          <ac:chgData name="Dominik Dold" userId="f2e3d405450aa2f4" providerId="LiveId" clId="{5805CB45-291F-49AE-A1B6-715AA1DB6F91}" dt="2026-02-04T13:13:16.647" v="50045" actId="20577"/>
           <ac:spMkLst>
             <pc:docMk/>
             <pc:sldMk cId="2311054438" sldId="359"/>
@@ -1983,11 +1527,51 @@
         </pc:spChg>
       </pc:sldChg>
       <pc:sldChg chg="addSp modSp add mod modAnim">
-        <pc:chgData name="Dominik Dold" userId="f2e3d405450aa2f4" providerId="LiveId" clId="{5805CB45-291F-49AE-A1B6-715AA1DB6F91}" dt="2026-01-19T21:14:34.147" v="50009" actId="14100"/>
+        <pc:chgData name="Dominik Dold" userId="f2e3d405450aa2f4" providerId="LiveId" clId="{5805CB45-291F-49AE-A1B6-715AA1DB6F91}" dt="2026-02-04T13:08:09.047" v="50020" actId="20577"/>
         <pc:sldMkLst>
           <pc:docMk/>
           <pc:sldMk cId="1575884360" sldId="361"/>
         </pc:sldMkLst>
+        <pc:spChg chg="mod">
+          <ac:chgData name="Dominik Dold" userId="f2e3d405450aa2f4" providerId="LiveId" clId="{5805CB45-291F-49AE-A1B6-715AA1DB6F91}" dt="2026-02-04T13:07:33.078" v="50012" actId="20577"/>
+          <ac:spMkLst>
+            <pc:docMk/>
+            <pc:sldMk cId="1575884360" sldId="361"/>
+            <ac:spMk id="4" creationId="{173CCF56-5462-E7DA-D408-7527BA851B2A}"/>
+          </ac:spMkLst>
+        </pc:spChg>
+        <pc:spChg chg="mod">
+          <ac:chgData name="Dominik Dold" userId="f2e3d405450aa2f4" providerId="LiveId" clId="{5805CB45-291F-49AE-A1B6-715AA1DB6F91}" dt="2026-02-04T13:07:41.776" v="50013" actId="20577"/>
+          <ac:spMkLst>
+            <pc:docMk/>
+            <pc:sldMk cId="1575884360" sldId="361"/>
+            <ac:spMk id="6" creationId="{2CD58988-20EE-35AF-9397-D89281E453C4}"/>
+          </ac:spMkLst>
+        </pc:spChg>
+        <pc:spChg chg="mod">
+          <ac:chgData name="Dominik Dold" userId="f2e3d405450aa2f4" providerId="LiveId" clId="{5805CB45-291F-49AE-A1B6-715AA1DB6F91}" dt="2026-02-04T13:08:09.047" v="50020" actId="20577"/>
+          <ac:spMkLst>
+            <pc:docMk/>
+            <pc:sldMk cId="1575884360" sldId="361"/>
+            <ac:spMk id="11" creationId="{57E413BC-51F9-779E-D907-6A454A4C744A}"/>
+          </ac:spMkLst>
+        </pc:spChg>
+        <pc:spChg chg="mod">
+          <ac:chgData name="Dominik Dold" userId="f2e3d405450aa2f4" providerId="LiveId" clId="{5805CB45-291F-49AE-A1B6-715AA1DB6F91}" dt="2026-02-04T13:07:45.153" v="50014" actId="20577"/>
+          <ac:spMkLst>
+            <pc:docMk/>
+            <pc:sldMk cId="1575884360" sldId="361"/>
+            <ac:spMk id="46" creationId="{B3B30B89-2A27-251A-D3B6-4126FD663B9B}"/>
+          </ac:spMkLst>
+        </pc:spChg>
+        <pc:spChg chg="mod">
+          <ac:chgData name="Dominik Dold" userId="f2e3d405450aa2f4" providerId="LiveId" clId="{5805CB45-291F-49AE-A1B6-715AA1DB6F91}" dt="2026-02-04T13:07:48.031" v="50015" actId="20577"/>
+          <ac:spMkLst>
+            <pc:docMk/>
+            <pc:sldMk cId="1575884360" sldId="361"/>
+            <ac:spMk id="79" creationId="{C28EED48-4C7C-C140-3645-F1D2D8C6CF4D}"/>
+          </ac:spMkLst>
+        </pc:spChg>
         <pc:cxnChg chg="add mod">
           <ac:chgData name="Dominik Dold" userId="f2e3d405450aa2f4" providerId="LiveId" clId="{5805CB45-291F-49AE-A1B6-715AA1DB6F91}" dt="2026-01-19T21:14:34.147" v="50009" actId="14100"/>
           <ac:cxnSpMkLst>
@@ -1997,63 +1581,44 @@
           </ac:cxnSpMkLst>
         </pc:cxnChg>
       </pc:sldChg>
-      <pc:sldChg chg="add del modAnim">
-        <pc:chgData name="Dominik Dold" userId="f2e3d405450aa2f4" providerId="LiveId" clId="{5805CB45-291F-49AE-A1B6-715AA1DB6F91}" dt="2026-01-19T21:07:35.865" v="49965" actId="47"/>
-        <pc:sldMkLst>
-          <pc:docMk/>
-          <pc:sldMk cId="2023312961" sldId="361"/>
-        </pc:sldMkLst>
-      </pc:sldChg>
-      <pc:sldChg chg="add del">
-        <pc:chgData name="Dominik Dold" userId="f2e3d405450aa2f4" providerId="LiveId" clId="{5805CB45-291F-49AE-A1B6-715AA1DB6F91}" dt="2026-01-19T21:07:48.921" v="49967"/>
-        <pc:sldMkLst>
-          <pc:docMk/>
-          <pc:sldMk cId="3288608129" sldId="361"/>
-        </pc:sldMkLst>
-      </pc:sldChg>
-      <pc:sldChg chg="add del">
-        <pc:chgData name="Dominik Dold" userId="f2e3d405450aa2f4" providerId="LiveId" clId="{5805CB45-291F-49AE-A1B6-715AA1DB6F91}" dt="2026-01-19T21:08:59.789" v="49986"/>
-        <pc:sldMkLst>
-          <pc:docMk/>
-          <pc:sldMk cId="3405399323" sldId="361"/>
-        </pc:sldMkLst>
-      </pc:sldChg>
-      <pc:sldChg chg="delSp add mod delAnim modAnim">
-        <pc:chgData name="Dominik Dold" userId="f2e3d405450aa2f4" providerId="LiveId" clId="{5805CB45-291F-49AE-A1B6-715AA1DB6F91}" dt="2026-01-19T21:11:21.319" v="50003"/>
+      <pc:sldChg chg="delSp modSp add mod delAnim modAnim">
+        <pc:chgData name="Dominik Dold" userId="f2e3d405450aa2f4" providerId="LiveId" clId="{5805CB45-291F-49AE-A1B6-715AA1DB6F91}" dt="2026-02-04T13:08:05.413" v="50019" actId="20577"/>
         <pc:sldMkLst>
           <pc:docMk/>
           <pc:sldMk cId="435845293" sldId="362"/>
         </pc:sldMkLst>
-        <pc:spChg chg="del">
-          <ac:chgData name="Dominik Dold" userId="f2e3d405450aa2f4" providerId="LiveId" clId="{5805CB45-291F-49AE-A1B6-715AA1DB6F91}" dt="2026-01-19T21:10:09.028" v="49993" actId="478"/>
+        <pc:spChg chg="mod">
+          <ac:chgData name="Dominik Dold" userId="f2e3d405450aa2f4" providerId="LiveId" clId="{5805CB45-291F-49AE-A1B6-715AA1DB6F91}" dt="2026-02-04T13:07:58.051" v="50016" actId="20577"/>
           <ac:spMkLst>
             <pc:docMk/>
             <pc:sldMk cId="435845293" sldId="362"/>
-            <ac:spMk id="66" creationId="{5C73F409-DDF6-E1C2-EF11-CCB20E3B1655}"/>
+            <ac:spMk id="4" creationId="{53571169-67B4-D406-F0B4-90F879858CDE}"/>
           </ac:spMkLst>
         </pc:spChg>
-        <pc:spChg chg="del">
-          <ac:chgData name="Dominik Dold" userId="f2e3d405450aa2f4" providerId="LiveId" clId="{5805CB45-291F-49AE-A1B6-715AA1DB6F91}" dt="2026-01-19T21:10:11.940" v="49994" actId="478"/>
+        <pc:spChg chg="mod">
+          <ac:chgData name="Dominik Dold" userId="f2e3d405450aa2f4" providerId="LiveId" clId="{5805CB45-291F-49AE-A1B6-715AA1DB6F91}" dt="2026-02-04T13:08:00.895" v="50017" actId="20577"/>
           <ac:spMkLst>
             <pc:docMk/>
             <pc:sldMk cId="435845293" sldId="362"/>
-            <ac:spMk id="70" creationId="{37218520-E2FC-AE1E-922B-2EA603F10459}"/>
+            <ac:spMk id="6" creationId="{D7708165-D82A-331B-C981-5996FCF6130E}"/>
           </ac:spMkLst>
         </pc:spChg>
-      </pc:sldChg>
-      <pc:sldChg chg="add del">
-        <pc:chgData name="Dominik Dold" userId="f2e3d405450aa2f4" providerId="LiveId" clId="{5805CB45-291F-49AE-A1B6-715AA1DB6F91}" dt="2026-01-19T21:07:35.865" v="49965" actId="47"/>
-        <pc:sldMkLst>
-          <pc:docMk/>
-          <pc:sldMk cId="616440572" sldId="362"/>
-        </pc:sldMkLst>
-      </pc:sldChg>
-      <pc:sldChg chg="add del">
-        <pc:chgData name="Dominik Dold" userId="f2e3d405450aa2f4" providerId="LiveId" clId="{5805CB45-291F-49AE-A1B6-715AA1DB6F91}" dt="2026-01-19T21:09:43.949" v="49991" actId="47"/>
-        <pc:sldMkLst>
-          <pc:docMk/>
-          <pc:sldMk cId="1977437473" sldId="362"/>
-        </pc:sldMkLst>
+        <pc:spChg chg="mod">
+          <ac:chgData name="Dominik Dold" userId="f2e3d405450aa2f4" providerId="LiveId" clId="{5805CB45-291F-49AE-A1B6-715AA1DB6F91}" dt="2026-02-04T13:08:05.413" v="50019" actId="20577"/>
+          <ac:spMkLst>
+            <pc:docMk/>
+            <pc:sldMk cId="435845293" sldId="362"/>
+            <ac:spMk id="11" creationId="{CD9EFF26-73CA-F91F-4962-C405D1167D24}"/>
+          </ac:spMkLst>
+        </pc:spChg>
+        <pc:spChg chg="mod">
+          <ac:chgData name="Dominik Dold" userId="f2e3d405450aa2f4" providerId="LiveId" clId="{5805CB45-291F-49AE-A1B6-715AA1DB6F91}" dt="2026-02-04T13:08:03.513" v="50018" actId="20577"/>
+          <ac:spMkLst>
+            <pc:docMk/>
+            <pc:sldMk cId="435845293" sldId="362"/>
+            <ac:spMk id="46" creationId="{2304ACEB-FFA9-0B10-1058-E8084D1FEC67}"/>
+          </ac:spMkLst>
+        </pc:spChg>
       </pc:sldChg>
       <pc:sldMasterChg chg="modSldLayout">
         <pc:chgData name="Dominik Dold" userId="f2e3d405450aa2f4" providerId="LiveId" clId="{5805CB45-291F-49AE-A1B6-715AA1DB6F91}" dt="2026-01-19T16:32:17.360" v="49184" actId="478"/>
@@ -2068,33 +1633,6 @@
             <pc:sldMasterMk cId="3647615518" sldId="2147483730"/>
             <pc:sldLayoutMk cId="3775332565" sldId="2147483733"/>
           </pc:sldLayoutMkLst>
-          <pc:spChg chg="del">
-            <ac:chgData name="Dominik Dold" userId="f2e3d405450aa2f4" providerId="LiveId" clId="{5805CB45-291F-49AE-A1B6-715AA1DB6F91}" dt="2026-01-19T16:32:16.260" v="49182" actId="478"/>
-            <ac:spMkLst>
-              <pc:docMk/>
-              <pc:sldMasterMk cId="3647615518" sldId="2147483730"/>
-              <pc:sldLayoutMk cId="3775332565" sldId="2147483733"/>
-              <ac:spMk id="8" creationId="{F26C7911-7E19-CC38-D210-8AA48256FC58}"/>
-            </ac:spMkLst>
-          </pc:spChg>
-          <pc:grpChg chg="del">
-            <ac:chgData name="Dominik Dold" userId="f2e3d405450aa2f4" providerId="LiveId" clId="{5805CB45-291F-49AE-A1B6-715AA1DB6F91}" dt="2026-01-19T16:32:17.360" v="49184" actId="478"/>
-            <ac:grpSpMkLst>
-              <pc:docMk/>
-              <pc:sldMasterMk cId="3647615518" sldId="2147483730"/>
-              <pc:sldLayoutMk cId="3775332565" sldId="2147483733"/>
-              <ac:grpSpMk id="13" creationId="{EC79674F-EEE7-A3F7-E7B6-E090E34DAE77}"/>
-            </ac:grpSpMkLst>
-          </pc:grpChg>
-          <pc:picChg chg="del">
-            <ac:chgData name="Dominik Dold" userId="f2e3d405450aa2f4" providerId="LiveId" clId="{5805CB45-291F-49AE-A1B6-715AA1DB6F91}" dt="2026-01-19T16:32:16.759" v="49183" actId="478"/>
-            <ac:picMkLst>
-              <pc:docMk/>
-              <pc:sldMasterMk cId="3647615518" sldId="2147483730"/>
-              <pc:sldLayoutMk cId="3775332565" sldId="2147483733"/>
-              <ac:picMk id="7" creationId="{71D72719-C124-A965-D48D-9233DB44E3E0}"/>
-            </ac:picMkLst>
-          </pc:picChg>
         </pc:sldLayoutChg>
         <pc:sldLayoutChg chg="delSp mod">
           <pc:chgData name="Dominik Dold" userId="f2e3d405450aa2f4" providerId="LiveId" clId="{5805CB45-291F-49AE-A1B6-715AA1DB6F91}" dt="2026-01-19T16:32:14.888" v="49181" actId="478"/>
@@ -2103,33 +1641,6 @@
             <pc:sldMasterMk cId="3647615518" sldId="2147483730"/>
             <pc:sldLayoutMk cId="2515466704" sldId="2147483737"/>
           </pc:sldLayoutMkLst>
-          <pc:spChg chg="del">
-            <ac:chgData name="Dominik Dold" userId="f2e3d405450aa2f4" providerId="LiveId" clId="{5805CB45-291F-49AE-A1B6-715AA1DB6F91}" dt="2026-01-19T16:32:12.886" v="49179" actId="478"/>
-            <ac:spMkLst>
-              <pc:docMk/>
-              <pc:sldMasterMk cId="3647615518" sldId="2147483730"/>
-              <pc:sldLayoutMk cId="2515466704" sldId="2147483737"/>
-              <ac:spMk id="4" creationId="{2933E148-CF42-4205-B6F8-3B728CF7C4C5}"/>
-            </ac:spMkLst>
-          </pc:spChg>
-          <pc:spChg chg="del">
-            <ac:chgData name="Dominik Dold" userId="f2e3d405450aa2f4" providerId="LiveId" clId="{5805CB45-291F-49AE-A1B6-715AA1DB6F91}" dt="2026-01-19T16:32:14.888" v="49181" actId="478"/>
-            <ac:spMkLst>
-              <pc:docMk/>
-              <pc:sldMasterMk cId="3647615518" sldId="2147483730"/>
-              <pc:sldLayoutMk cId="2515466704" sldId="2147483737"/>
-              <ac:spMk id="5" creationId="{9C99D05B-973C-1FB5-7278-033AF9D8F9A2}"/>
-            </ac:spMkLst>
-          </pc:spChg>
-          <pc:picChg chg="del">
-            <ac:chgData name="Dominik Dold" userId="f2e3d405450aa2f4" providerId="LiveId" clId="{5805CB45-291F-49AE-A1B6-715AA1DB6F91}" dt="2026-01-19T16:32:13.262" v="49180" actId="478"/>
-            <ac:picMkLst>
-              <pc:docMk/>
-              <pc:sldMasterMk cId="3647615518" sldId="2147483730"/>
-              <pc:sldLayoutMk cId="2515466704" sldId="2147483737"/>
-              <ac:picMk id="3" creationId="{8019FAC9-9AF7-E084-7654-F3C01ADF7059}"/>
-            </ac:picMkLst>
-          </pc:picChg>
         </pc:sldLayoutChg>
       </pc:sldMasterChg>
     </pc:docChg>
@@ -2219,7 +1730,7 @@
           <a:p>
             <a:fld id="{5ECCE08E-FD48-4ABE-9805-2EBFDE106AB3}" type="datetimeFigureOut">
               <a:rPr lang="en-GB" smtClean="0"/>
-              <a:t>19/01/2026</a:t>
+              <a:t>04/02/2026</a:t>
             </a:fld>
             <a:endParaRPr lang="en-GB"/>
           </a:p>
@@ -3130,7 +2641,7 @@
           <a:p>
             <a:fld id="{CBE30051-C6DB-4954-8A39-7BBB06410C9B}" type="datetime1">
               <a:rPr lang="en-GB" smtClean="0"/>
-              <a:t>19/01/2026</a:t>
+              <a:t>04/02/2026</a:t>
             </a:fld>
             <a:endParaRPr lang="en-GB"/>
           </a:p>
@@ -3319,7 +2830,7 @@
           <a:p>
             <a:fld id="{3D7C210B-129B-4959-BC37-B5393D6AEA88}" type="datetime1">
               <a:rPr lang="en-GB" smtClean="0"/>
-              <a:t>19/01/2026</a:t>
+              <a:t>04/02/2026</a:t>
             </a:fld>
             <a:endParaRPr lang="en-GB"/>
           </a:p>
@@ -3518,7 +3029,7 @@
           <a:p>
             <a:fld id="{742CE41D-2DBF-4108-A0A6-B66ADCBB53B9}" type="datetime1">
               <a:rPr lang="en-GB" smtClean="0"/>
-              <a:t>19/01/2026</a:t>
+              <a:t>04/02/2026</a:t>
             </a:fld>
             <a:endParaRPr lang="en-GB"/>
           </a:p>
@@ -4057,7 +3568,7 @@
           <a:p>
             <a:fld id="{14CB3D7D-A06C-4DE9-992B-5B65F53834D9}" type="datetime1">
               <a:rPr lang="en-GB" smtClean="0"/>
-              <a:t>19/01/2026</a:t>
+              <a:t>04/02/2026</a:t>
             </a:fld>
             <a:endParaRPr lang="en-GB"/>
           </a:p>
@@ -4423,7 +3934,7 @@
           <a:p>
             <a:fld id="{C67A38C1-9379-4361-9946-D3680B7F47FE}" type="datetime1">
               <a:rPr lang="en-GB" smtClean="0"/>
-              <a:t>19/01/2026</a:t>
+              <a:t>04/02/2026</a:t>
             </a:fld>
             <a:endParaRPr lang="en-GB"/>
           </a:p>
@@ -4560,7 +4071,7 @@
           <a:p>
             <a:fld id="{B9C7243E-F364-48F3-BBAD-37A743E237B4}" type="datetime1">
               <a:rPr lang="en-GB" smtClean="0"/>
-              <a:t>19/01/2026</a:t>
+              <a:t>04/02/2026</a:t>
             </a:fld>
             <a:endParaRPr lang="en-GB"/>
           </a:p>
@@ -4966,7 +4477,7 @@
           <a:p>
             <a:fld id="{5FC0CC01-3EBF-4DED-A29A-5DE22DB44D36}" type="datetime1">
               <a:rPr lang="en-GB" smtClean="0"/>
-              <a:t>19/01/2026</a:t>
+              <a:t>04/02/2026</a:t>
             </a:fld>
             <a:endParaRPr lang="en-GB"/>
           </a:p>
@@ -5202,7 +4713,7 @@
           <a:p>
             <a:fld id="{9CDC136D-BBC1-4797-AC59-38B61BEC7FD1}" type="datetime1">
               <a:rPr lang="en-GB" smtClean="0"/>
-              <a:t>19/01/2026</a:t>
+              <a:t>04/02/2026</a:t>
             </a:fld>
             <a:endParaRPr lang="en-GB"/>
           </a:p>
@@ -6113,8 +5624,8 @@
           </p:sp>
         </mc:Fallback>
       </mc:AlternateContent>
-      <mc:AlternateContent xmlns:mc="http://schemas.openxmlformats.org/markup-compatibility/2006" xmlns:a14="http://schemas.microsoft.com/office/drawing/2010/main">
-        <mc:Choice Requires="a14">
+      <mc:AlternateContent xmlns:mc="http://schemas.openxmlformats.org/markup-compatibility/2006">
+        <mc:Choice xmlns:a14="http://schemas.microsoft.com/office/drawing/2010/main" Requires="a14">
           <p:sp>
             <p:nvSpPr>
               <p:cNvPr id="6" name="TextBox 5">
@@ -6153,11 +5664,11 @@
                 <a14:m>
                   <m:oMath xmlns:m="http://schemas.openxmlformats.org/officeDocument/2006/math">
                     <m:r>
-                      <a:rPr lang="en-US" sz="2400" b="0" i="1" smtClean="0">
+                      <a:rPr lang="en-US" sz="2400" i="1">
                         <a:latin typeface="Cambria Math" panose="02040503050406030204" pitchFamily="18" charset="0"/>
                         <a:cs typeface="Beaufort for LOL" panose="02020503050000020004" pitchFamily="18" charset="0"/>
                       </a:rPr>
-                      <m:t>𝜖</m:t>
+                      <m:t>𝜅</m:t>
                     </m:r>
                     <m:r>
                       <a:rPr lang="en-US" sz="2400" b="0" i="1" smtClean="0">
@@ -6201,7 +5712,7 @@
             </p:txBody>
           </p:sp>
         </mc:Choice>
-        <mc:Fallback xmlns="">
+        <mc:Fallback>
           <p:sp>
             <p:nvSpPr>
               <p:cNvPr id="6" name="TextBox 5">
@@ -6982,8 +6493,8 @@
           </p:sp>
         </mc:Fallback>
       </mc:AlternateContent>
-      <mc:AlternateContent xmlns:mc="http://schemas.openxmlformats.org/markup-compatibility/2006" xmlns:a14="http://schemas.microsoft.com/office/drawing/2010/main">
-        <mc:Choice Requires="a14">
+      <mc:AlternateContent xmlns:mc="http://schemas.openxmlformats.org/markup-compatibility/2006">
+        <mc:Choice xmlns:a14="http://schemas.microsoft.com/office/drawing/2010/main" Requires="a14">
           <p:sp>
             <p:nvSpPr>
               <p:cNvPr id="6" name="TextBox 5">
@@ -7022,11 +6533,11 @@
                 <a14:m>
                   <m:oMath xmlns:m="http://schemas.openxmlformats.org/officeDocument/2006/math">
                     <m:r>
-                      <a:rPr lang="en-US" sz="2400" b="0" i="1" smtClean="0">
+                      <a:rPr lang="en-US" sz="2400" i="1">
                         <a:latin typeface="Cambria Math" panose="02040503050406030204" pitchFamily="18" charset="0"/>
                         <a:cs typeface="Beaufort for LOL" panose="02020503050000020004" pitchFamily="18" charset="0"/>
                       </a:rPr>
-                      <m:t>𝜖</m:t>
+                      <m:t>𝜅</m:t>
                     </m:r>
                     <m:r>
                       <a:rPr lang="en-US" sz="2400" b="0" i="1" smtClean="0">
@@ -7070,7 +6581,7 @@
             </p:txBody>
           </p:sp>
         </mc:Choice>
-        <mc:Fallback xmlns="">
+        <mc:Fallback>
           <p:sp>
             <p:nvSpPr>
               <p:cNvPr id="6" name="TextBox 5">
@@ -7428,7 +6939,7 @@
         </p:blipFill>
         <p:spPr>
           <a:xfrm>
-            <a:off x="488211" y="3085814"/>
+            <a:off x="488211" y="3078285"/>
             <a:ext cx="5061985" cy="3723008"/>
           </a:xfrm>
           <a:prstGeom prst="rect">
@@ -7851,8 +7362,8 @@
           </p:sp>
         </mc:Fallback>
       </mc:AlternateContent>
-      <mc:AlternateContent xmlns:mc="http://schemas.openxmlformats.org/markup-compatibility/2006" xmlns:a14="http://schemas.microsoft.com/office/drawing/2010/main">
-        <mc:Choice Requires="a14">
+      <mc:AlternateContent xmlns:mc="http://schemas.openxmlformats.org/markup-compatibility/2006">
+        <mc:Choice xmlns:a14="http://schemas.microsoft.com/office/drawing/2010/main" Requires="a14">
           <p:sp>
             <p:nvSpPr>
               <p:cNvPr id="6" name="TextBox 5">
@@ -7891,11 +7402,11 @@
                 <a14:m>
                   <m:oMath xmlns:m="http://schemas.openxmlformats.org/officeDocument/2006/math">
                     <m:r>
-                      <a:rPr lang="en-US" sz="2400" b="0" i="1" smtClean="0">
+                      <a:rPr lang="en-US" sz="2400" i="1">
                         <a:latin typeface="Cambria Math" panose="02040503050406030204" pitchFamily="18" charset="0"/>
                         <a:cs typeface="Beaufort for LOL" panose="02020503050000020004" pitchFamily="18" charset="0"/>
                       </a:rPr>
-                      <m:t>𝜖</m:t>
+                      <m:t>𝜅</m:t>
                     </m:r>
                     <m:r>
                       <a:rPr lang="en-US" sz="2400" b="0" i="1" smtClean="0">
@@ -7939,7 +7450,7 @@
             </p:txBody>
           </p:sp>
         </mc:Choice>
-        <mc:Fallback xmlns="">
+        <mc:Fallback>
           <p:sp>
             <p:nvSpPr>
               <p:cNvPr id="6" name="TextBox 5">
@@ -10764,11 +10275,11 @@
                 <a14:m>
                   <m:oMath xmlns:m="http://schemas.openxmlformats.org/officeDocument/2006/math">
                     <m:r>
-                      <a:rPr lang="en-US" sz="2400" b="1" i="1" dirty="0" smtClean="0">
+                      <a:rPr lang="de-DE" sz="2400" b="1" i="1" dirty="0" smtClean="0">
                         <a:latin typeface="Cambria Math" panose="02040503050406030204" pitchFamily="18" charset="0"/>
                         <a:cs typeface="Beaufort for LOL" panose="02020503050000020004" pitchFamily="18" charset="0"/>
                       </a:rPr>
-                      <m:t>𝑳</m:t>
+                      <m:t>𝑪</m:t>
                     </m:r>
                   </m:oMath>
                 </a14:m>
@@ -10999,7 +10510,7 @@
                     <m:sSup>
                       <m:sSupPr>
                         <m:ctrlPr>
-                          <a:rPr lang="en-US" sz="2400" b="0" i="0" dirty="0" smtClean="0">
+                          <a:rPr lang="en-US" sz="2400" b="0" i="1" dirty="0" smtClean="0">
                             <a:latin typeface="Cambria Math" panose="02040503050406030204" pitchFamily="18" charset="0"/>
                             <a:cs typeface="Beaufort for LOL" panose="02020503050000020004" pitchFamily="18" charset="0"/>
                           </a:rPr>
@@ -11213,11 +10724,11 @@
                       </m:num>
                       <m:den>
                         <m:r>
-                          <a:rPr lang="en-US" sz="2400" b="0" i="1" dirty="0" smtClean="0">
+                          <a:rPr lang="de-DE" sz="2400" b="0" i="1" dirty="0" smtClean="0">
                             <a:latin typeface="Cambria Math" panose="02040503050406030204" pitchFamily="18" charset="0"/>
                             <a:cs typeface="Beaufort for LOL" panose="02020503050000020004" pitchFamily="18" charset="0"/>
                           </a:rPr>
-                          <m:t>𝐿</m:t>
+                          <m:t>𝐶</m:t>
                         </m:r>
                       </m:den>
                     </m:f>
@@ -11430,8 +10941,8 @@
           </a:fontRef>
         </p:style>
       </p:cxnSp>
-      <mc:AlternateContent xmlns:mc="http://schemas.openxmlformats.org/markup-compatibility/2006">
-        <mc:Choice xmlns:a14="http://schemas.microsoft.com/office/drawing/2010/main" Requires="a14">
+      <mc:AlternateContent xmlns:mc="http://schemas.openxmlformats.org/markup-compatibility/2006" xmlns:a14="http://schemas.microsoft.com/office/drawing/2010/main">
+        <mc:Choice Requires="a14">
           <p:sp>
             <p:nvSpPr>
               <p:cNvPr id="24" name="TextBox 23">
@@ -11500,7 +11011,7 @@
             </p:txBody>
           </p:sp>
         </mc:Choice>
-        <mc:Fallback>
+        <mc:Fallback xmlns="">
           <p:sp>
             <p:nvSpPr>
               <p:cNvPr id="24" name="TextBox 23">
@@ -11545,8 +11056,8 @@
           </p:sp>
         </mc:Fallback>
       </mc:AlternateContent>
-      <mc:AlternateContent xmlns:mc="http://schemas.openxmlformats.org/markup-compatibility/2006">
-        <mc:Choice xmlns:a14="http://schemas.microsoft.com/office/drawing/2010/main" Requires="a14">
+      <mc:AlternateContent xmlns:mc="http://schemas.openxmlformats.org/markup-compatibility/2006" xmlns:a14="http://schemas.microsoft.com/office/drawing/2010/main">
+        <mc:Choice Requires="a14">
           <p:sp>
             <p:nvSpPr>
               <p:cNvPr id="25" name="TextBox 24">
@@ -11615,7 +11126,7 @@
             </p:txBody>
           </p:sp>
         </mc:Choice>
-        <mc:Fallback>
+        <mc:Fallback xmlns="">
           <p:sp>
             <p:nvSpPr>
               <p:cNvPr id="25" name="TextBox 24">
@@ -11660,8 +11171,8 @@
           </p:sp>
         </mc:Fallback>
       </mc:AlternateContent>
-      <mc:AlternateContent xmlns:mc="http://schemas.openxmlformats.org/markup-compatibility/2006">
-        <mc:Choice xmlns:a14="http://schemas.microsoft.com/office/drawing/2010/main" Requires="a14">
+      <mc:AlternateContent xmlns:mc="http://schemas.openxmlformats.org/markup-compatibility/2006" xmlns:a14="http://schemas.microsoft.com/office/drawing/2010/main">
+        <mc:Choice Requires="a14">
           <p:sp>
             <p:nvSpPr>
               <p:cNvPr id="82" name="TextBox 81">
@@ -11711,7 +11222,7 @@
             </p:txBody>
           </p:sp>
         </mc:Choice>
-        <mc:Fallback>
+        <mc:Fallback xmlns="">
           <p:sp>
             <p:nvSpPr>
               <p:cNvPr id="82" name="TextBox 81">
@@ -11756,8 +11267,8 @@
           </p:sp>
         </mc:Fallback>
       </mc:AlternateContent>
-      <mc:AlternateContent xmlns:mc="http://schemas.openxmlformats.org/markup-compatibility/2006">
-        <mc:Choice xmlns:a14="http://schemas.microsoft.com/office/drawing/2010/main" Requires="a14">
+      <mc:AlternateContent xmlns:mc="http://schemas.openxmlformats.org/markup-compatibility/2006" xmlns:a14="http://schemas.microsoft.com/office/drawing/2010/main">
+        <mc:Choice Requires="a14">
           <p:sp>
             <p:nvSpPr>
               <p:cNvPr id="83" name="TextBox 82">
@@ -11813,7 +11324,7 @@
             </p:txBody>
           </p:sp>
         </mc:Choice>
-        <mc:Fallback>
+        <mc:Fallback xmlns="">
           <p:sp>
             <p:nvSpPr>
               <p:cNvPr id="83" name="TextBox 82">
@@ -11858,8 +11369,8 @@
           </p:sp>
         </mc:Fallback>
       </mc:AlternateContent>
-      <mc:AlternateContent xmlns:mc="http://schemas.openxmlformats.org/markup-compatibility/2006">
-        <mc:Choice xmlns:a14="http://schemas.microsoft.com/office/drawing/2010/main" Requires="a14">
+      <mc:AlternateContent xmlns:mc="http://schemas.openxmlformats.org/markup-compatibility/2006" xmlns:a14="http://schemas.microsoft.com/office/drawing/2010/main">
+        <mc:Choice Requires="a14">
           <p:sp>
             <p:nvSpPr>
               <p:cNvPr id="84" name="TextBox 83">
@@ -11909,7 +11420,7 @@
             </p:txBody>
           </p:sp>
         </mc:Choice>
-        <mc:Fallback>
+        <mc:Fallback xmlns="">
           <p:sp>
             <p:nvSpPr>
               <p:cNvPr id="84" name="TextBox 83">
@@ -12615,11 +12126,11 @@
                 <a14:m>
                   <m:oMath xmlns:m="http://schemas.openxmlformats.org/officeDocument/2006/math">
                     <m:r>
-                      <a:rPr lang="en-US" sz="2400" b="1" i="1" dirty="0" smtClean="0">
+                      <a:rPr lang="de-DE" sz="2400" b="1" i="1" dirty="0" smtClean="0">
                         <a:latin typeface="Cambria Math" panose="02040503050406030204" pitchFamily="18" charset="0"/>
                         <a:cs typeface="Beaufort for LOL" panose="02020503050000020004" pitchFamily="18" charset="0"/>
                       </a:rPr>
-                      <m:t>𝑳</m:t>
+                      <m:t>𝑪</m:t>
                     </m:r>
                   </m:oMath>
                 </a14:m>
@@ -12850,7 +12361,7 @@
                     <m:sSup>
                       <m:sSupPr>
                         <m:ctrlPr>
-                          <a:rPr lang="en-US" sz="2400" b="0" i="0" dirty="0" smtClean="0">
+                          <a:rPr lang="en-US" sz="2400" b="0" i="1" dirty="0" smtClean="0">
                             <a:latin typeface="Cambria Math" panose="02040503050406030204" pitchFamily="18" charset="0"/>
                             <a:cs typeface="Beaufort for LOL" panose="02020503050000020004" pitchFamily="18" charset="0"/>
                           </a:rPr>
@@ -13064,11 +12575,11 @@
                       </m:num>
                       <m:den>
                         <m:r>
-                          <a:rPr lang="en-US" sz="2400" b="0" i="1" dirty="0" smtClean="0">
+                          <a:rPr lang="de-DE" sz="2400" b="0" i="1" dirty="0" smtClean="0">
                             <a:latin typeface="Cambria Math" panose="02040503050406030204" pitchFamily="18" charset="0"/>
                             <a:cs typeface="Beaufort for LOL" panose="02020503050000020004" pitchFamily="18" charset="0"/>
                           </a:rPr>
-                          <m:t>𝐿</m:t>
+                          <m:t>𝐶</m:t>
                         </m:r>
                       </m:den>
                     </m:f>
@@ -13212,7 +12723,7 @@
                       <m:t>/</m:t>
                     </m:r>
                     <m:r>
-                      <a:rPr lang="en-US" sz="2000" b="0" i="1" dirty="0" smtClean="0">
+                      <a:rPr lang="de-DE" sz="2000" b="0" i="1" dirty="0" smtClean="0">
                         <a:solidFill>
                           <a:srgbClr val="0070C0"/>
                         </a:solidFill>
@@ -13220,7 +12731,7 @@
                         <a:ea typeface="Cambria Math" panose="02040503050406030204" pitchFamily="18" charset="0"/>
                         <a:cs typeface="Beaufort for LOL" panose="02020503050000020004" pitchFamily="18" charset="0"/>
                       </a:rPr>
-                      <m:t>𝐿</m:t>
+                      <m:t>𝐶</m:t>
                     </m:r>
                   </m:oMath>
                 </a14:m>
@@ -13424,8 +12935,8 @@
           </a:fontRef>
         </p:style>
       </p:cxnSp>
-      <mc:AlternateContent xmlns:mc="http://schemas.openxmlformats.org/markup-compatibility/2006">
-        <mc:Choice xmlns:a14="http://schemas.microsoft.com/office/drawing/2010/main" Requires="a14">
+      <mc:AlternateContent xmlns:mc="http://schemas.openxmlformats.org/markup-compatibility/2006" xmlns:a14="http://schemas.microsoft.com/office/drawing/2010/main">
+        <mc:Choice Requires="a14">
           <p:sp>
             <p:nvSpPr>
               <p:cNvPr id="24" name="TextBox 23">
@@ -13494,7 +13005,7 @@
             </p:txBody>
           </p:sp>
         </mc:Choice>
-        <mc:Fallback>
+        <mc:Fallback xmlns="">
           <p:sp>
             <p:nvSpPr>
               <p:cNvPr id="24" name="TextBox 23">
@@ -13539,8 +13050,8 @@
           </p:sp>
         </mc:Fallback>
       </mc:AlternateContent>
-      <mc:AlternateContent xmlns:mc="http://schemas.openxmlformats.org/markup-compatibility/2006">
-        <mc:Choice xmlns:a14="http://schemas.microsoft.com/office/drawing/2010/main" Requires="a14">
+      <mc:AlternateContent xmlns:mc="http://schemas.openxmlformats.org/markup-compatibility/2006" xmlns:a14="http://schemas.microsoft.com/office/drawing/2010/main">
+        <mc:Choice Requires="a14">
           <p:sp>
             <p:nvSpPr>
               <p:cNvPr id="25" name="TextBox 24">
@@ -13609,7 +13120,7 @@
             </p:txBody>
           </p:sp>
         </mc:Choice>
-        <mc:Fallback>
+        <mc:Fallback xmlns="">
           <p:sp>
             <p:nvSpPr>
               <p:cNvPr id="25" name="TextBox 24">
@@ -13966,8 +13477,8 @@
           </a:fontRef>
         </p:style>
       </p:cxnSp>
-      <mc:AlternateContent xmlns:mc="http://schemas.openxmlformats.org/markup-compatibility/2006">
-        <mc:Choice xmlns:a14="http://schemas.microsoft.com/office/drawing/2010/main" Requires="a14">
+      <mc:AlternateContent xmlns:mc="http://schemas.openxmlformats.org/markup-compatibility/2006" xmlns:a14="http://schemas.microsoft.com/office/drawing/2010/main">
+        <mc:Choice Requires="a14">
           <p:sp>
             <p:nvSpPr>
               <p:cNvPr id="41" name="TextBox 40">
@@ -13996,6 +13507,7 @@
               </a:bodyPr>
               <a:lstStyle/>
               <a:p>
+                <a:pPr/>
                 <a14:m>
                   <m:oMathPara xmlns:m="http://schemas.openxmlformats.org/officeDocument/2006/math">
                     <m:oMathParaPr>
@@ -14035,7 +13547,7 @@
             </p:txBody>
           </p:sp>
         </mc:Choice>
-        <mc:Fallback>
+        <mc:Fallback xmlns="">
           <p:sp>
             <p:nvSpPr>
               <p:cNvPr id="41" name="TextBox 40">
@@ -14080,8 +13592,8 @@
           </p:sp>
         </mc:Fallback>
       </mc:AlternateContent>
-      <mc:AlternateContent xmlns:mc="http://schemas.openxmlformats.org/markup-compatibility/2006">
-        <mc:Choice xmlns:a14="http://schemas.microsoft.com/office/drawing/2010/main" Requires="a14">
+      <mc:AlternateContent xmlns:mc="http://schemas.openxmlformats.org/markup-compatibility/2006" xmlns:a14="http://schemas.microsoft.com/office/drawing/2010/main">
+        <mc:Choice Requires="a14">
           <p:sp>
             <p:nvSpPr>
               <p:cNvPr id="42" name="TextBox 41">
@@ -14110,6 +13622,7 @@
               </a:bodyPr>
               <a:lstStyle/>
               <a:p>
+                <a:pPr/>
                 <a14:m>
                   <m:oMathPara xmlns:m="http://schemas.openxmlformats.org/officeDocument/2006/math">
                     <m:oMathParaPr>
@@ -14149,7 +13662,7 @@
             </p:txBody>
           </p:sp>
         </mc:Choice>
-        <mc:Fallback>
+        <mc:Fallback xmlns="">
           <p:sp>
             <p:nvSpPr>
               <p:cNvPr id="42" name="TextBox 41">
@@ -14194,8 +13707,8 @@
           </p:sp>
         </mc:Fallback>
       </mc:AlternateContent>
-      <mc:AlternateContent xmlns:mc="http://schemas.openxmlformats.org/markup-compatibility/2006">
-        <mc:Choice xmlns:a14="http://schemas.microsoft.com/office/drawing/2010/main" Requires="a14">
+      <mc:AlternateContent xmlns:mc="http://schemas.openxmlformats.org/markup-compatibility/2006" xmlns:a14="http://schemas.microsoft.com/office/drawing/2010/main">
+        <mc:Choice Requires="a14">
           <p:sp>
             <p:nvSpPr>
               <p:cNvPr id="43" name="TextBox 42">
@@ -14224,6 +13737,7 @@
               </a:bodyPr>
               <a:lstStyle/>
               <a:p>
+                <a:pPr/>
                 <a14:m>
                   <m:oMathPara xmlns:m="http://schemas.openxmlformats.org/officeDocument/2006/math">
                     <m:oMathParaPr>
@@ -14263,7 +13777,7 @@
             </p:txBody>
           </p:sp>
         </mc:Choice>
-        <mc:Fallback>
+        <mc:Fallback xmlns="">
           <p:sp>
             <p:nvSpPr>
               <p:cNvPr id="43" name="TextBox 42">
@@ -14308,8 +13822,8 @@
           </p:sp>
         </mc:Fallback>
       </mc:AlternateContent>
-      <mc:AlternateContent xmlns:mc="http://schemas.openxmlformats.org/markup-compatibility/2006">
-        <mc:Choice xmlns:a14="http://schemas.microsoft.com/office/drawing/2010/main" Requires="a14">
+      <mc:AlternateContent xmlns:mc="http://schemas.openxmlformats.org/markup-compatibility/2006" xmlns:a14="http://schemas.microsoft.com/office/drawing/2010/main">
+        <mc:Choice Requires="a14">
           <p:sp>
             <p:nvSpPr>
               <p:cNvPr id="44" name="TextBox 43">
@@ -14338,6 +13852,7 @@
               </a:bodyPr>
               <a:lstStyle/>
               <a:p>
+                <a:pPr/>
                 <a14:m>
                   <m:oMathPara xmlns:m="http://schemas.openxmlformats.org/officeDocument/2006/math">
                     <m:oMathParaPr>
@@ -14377,7 +13892,7 @@
             </p:txBody>
           </p:sp>
         </mc:Choice>
-        <mc:Fallback>
+        <mc:Fallback xmlns="">
           <p:sp>
             <p:nvSpPr>
               <p:cNvPr id="44" name="TextBox 43">
@@ -14590,7 +14105,7 @@
                               <m:t>⋅</m:t>
                             </m:r>
                             <m:r>
-                              <a:rPr lang="en-US" sz="2000" i="1" dirty="0">
+                              <a:rPr lang="de-DE" sz="2000" b="0" i="1" dirty="0" smtClean="0">
                                 <a:solidFill>
                                   <a:srgbClr val="0070C0"/>
                                 </a:solidFill>
@@ -14598,7 +14113,7 @@
                                 <a:ea typeface="Cambria Math" panose="02040503050406030204" pitchFamily="18" charset="0"/>
                                 <a:cs typeface="Beaufort for LOL" panose="02020503050000020004" pitchFamily="18" charset="0"/>
                               </a:rPr>
-                              <m:t>𝐿</m:t>
+                              <m:t>𝐶</m:t>
                             </m:r>
                             <m:r>
                               <a:rPr lang="en-US" sz="2000" i="1" dirty="0">
@@ -14700,8 +14215,8 @@
           </p:sp>
         </mc:Fallback>
       </mc:AlternateContent>
-      <mc:AlternateContent xmlns:mc="http://schemas.openxmlformats.org/markup-compatibility/2006">
-        <mc:Choice xmlns:a14="http://schemas.microsoft.com/office/drawing/2010/main" Requires="a14">
+      <mc:AlternateContent xmlns:mc="http://schemas.openxmlformats.org/markup-compatibility/2006" xmlns:a14="http://schemas.microsoft.com/office/drawing/2010/main">
+        <mc:Choice Requires="a14">
           <p:sp>
             <p:nvSpPr>
               <p:cNvPr id="82" name="TextBox 81">
@@ -14751,7 +14266,7 @@
             </p:txBody>
           </p:sp>
         </mc:Choice>
-        <mc:Fallback>
+        <mc:Fallback xmlns="">
           <p:sp>
             <p:nvSpPr>
               <p:cNvPr id="82" name="TextBox 81">
@@ -14796,8 +14311,8 @@
           </p:sp>
         </mc:Fallback>
       </mc:AlternateContent>
-      <mc:AlternateContent xmlns:mc="http://schemas.openxmlformats.org/markup-compatibility/2006">
-        <mc:Choice xmlns:a14="http://schemas.microsoft.com/office/drawing/2010/main" Requires="a14">
+      <mc:AlternateContent xmlns:mc="http://schemas.openxmlformats.org/markup-compatibility/2006" xmlns:a14="http://schemas.microsoft.com/office/drawing/2010/main">
+        <mc:Choice Requires="a14">
           <p:sp>
             <p:nvSpPr>
               <p:cNvPr id="83" name="TextBox 82">
@@ -14853,7 +14368,7 @@
             </p:txBody>
           </p:sp>
         </mc:Choice>
-        <mc:Fallback>
+        <mc:Fallback xmlns="">
           <p:sp>
             <p:nvSpPr>
               <p:cNvPr id="83" name="TextBox 82">
@@ -14898,8 +14413,8 @@
           </p:sp>
         </mc:Fallback>
       </mc:AlternateContent>
-      <mc:AlternateContent xmlns:mc="http://schemas.openxmlformats.org/markup-compatibility/2006">
-        <mc:Choice xmlns:a14="http://schemas.microsoft.com/office/drawing/2010/main" Requires="a14">
+      <mc:AlternateContent xmlns:mc="http://schemas.openxmlformats.org/markup-compatibility/2006" xmlns:a14="http://schemas.microsoft.com/office/drawing/2010/main">
+        <mc:Choice Requires="a14">
           <p:sp>
             <p:nvSpPr>
               <p:cNvPr id="84" name="TextBox 83">
@@ -14949,7 +14464,7 @@
             </p:txBody>
           </p:sp>
         </mc:Choice>
-        <mc:Fallback>
+        <mc:Fallback xmlns="">
           <p:sp>
             <p:nvSpPr>
               <p:cNvPr id="84" name="TextBox 83">
@@ -15400,11 +14915,11 @@
                 <a14:m>
                   <m:oMath xmlns:m="http://schemas.openxmlformats.org/officeDocument/2006/math">
                     <m:r>
-                      <a:rPr lang="en-US" sz="2400" b="1" i="1" dirty="0" smtClean="0">
+                      <a:rPr lang="de-DE" sz="2400" b="1" i="1" dirty="0" smtClean="0">
                         <a:latin typeface="Cambria Math" panose="02040503050406030204" pitchFamily="18" charset="0"/>
                         <a:cs typeface="Beaufort for LOL" panose="02020503050000020004" pitchFamily="18" charset="0"/>
                       </a:rPr>
-                      <m:t>𝑳</m:t>
+                      <m:t>𝑪</m:t>
                     </m:r>
                   </m:oMath>
                 </a14:m>
@@ -15635,7 +15150,7 @@
                     <m:sSup>
                       <m:sSupPr>
                         <m:ctrlPr>
-                          <a:rPr lang="en-US" sz="2400" b="0" i="0" dirty="0" smtClean="0">
+                          <a:rPr lang="en-US" sz="2400" b="0" i="1" dirty="0" smtClean="0">
                             <a:latin typeface="Cambria Math" panose="02040503050406030204" pitchFamily="18" charset="0"/>
                             <a:cs typeface="Beaufort for LOL" panose="02020503050000020004" pitchFamily="18" charset="0"/>
                           </a:rPr>
@@ -15849,11 +15364,11 @@
                       </m:num>
                       <m:den>
                         <m:r>
-                          <a:rPr lang="en-US" sz="2400" b="0" i="1" dirty="0" smtClean="0">
+                          <a:rPr lang="de-DE" sz="2400" b="0" i="1" dirty="0" smtClean="0">
                             <a:latin typeface="Cambria Math" panose="02040503050406030204" pitchFamily="18" charset="0"/>
                             <a:cs typeface="Beaufort for LOL" panose="02020503050000020004" pitchFamily="18" charset="0"/>
                           </a:rPr>
-                          <m:t>𝐿</m:t>
+                          <m:t>𝐶</m:t>
                         </m:r>
                       </m:den>
                     </m:f>
@@ -15997,7 +15512,7 @@
                       <m:t>/</m:t>
                     </m:r>
                     <m:r>
-                      <a:rPr lang="en-US" sz="2000" b="0" i="1" dirty="0" smtClean="0">
+                      <a:rPr lang="de-DE" sz="2000" b="0" i="1" dirty="0" smtClean="0">
                         <a:solidFill>
                           <a:srgbClr val="0070C0"/>
                         </a:solidFill>
@@ -16005,7 +15520,7 @@
                         <a:ea typeface="Cambria Math" panose="02040503050406030204" pitchFamily="18" charset="0"/>
                         <a:cs typeface="Beaufort for LOL" panose="02020503050000020004" pitchFamily="18" charset="0"/>
                       </a:rPr>
-                      <m:t>𝐿</m:t>
+                      <m:t>𝐶</m:t>
                     </m:r>
                   </m:oMath>
                 </a14:m>
@@ -16209,8 +15724,8 @@
           </a:fontRef>
         </p:style>
       </p:cxnSp>
-      <mc:AlternateContent xmlns:mc="http://schemas.openxmlformats.org/markup-compatibility/2006">
-        <mc:Choice xmlns:a14="http://schemas.microsoft.com/office/drawing/2010/main" Requires="a14">
+      <mc:AlternateContent xmlns:mc="http://schemas.openxmlformats.org/markup-compatibility/2006" xmlns:a14="http://schemas.microsoft.com/office/drawing/2010/main">
+        <mc:Choice Requires="a14">
           <p:sp>
             <p:nvSpPr>
               <p:cNvPr id="24" name="TextBox 23">
@@ -16279,7 +15794,7 @@
             </p:txBody>
           </p:sp>
         </mc:Choice>
-        <mc:Fallback>
+        <mc:Fallback xmlns="">
           <p:sp>
             <p:nvSpPr>
               <p:cNvPr id="24" name="TextBox 23">
@@ -16324,8 +15839,8 @@
           </p:sp>
         </mc:Fallback>
       </mc:AlternateContent>
-      <mc:AlternateContent xmlns:mc="http://schemas.openxmlformats.org/markup-compatibility/2006">
-        <mc:Choice xmlns:a14="http://schemas.microsoft.com/office/drawing/2010/main" Requires="a14">
+      <mc:AlternateContent xmlns:mc="http://schemas.openxmlformats.org/markup-compatibility/2006" xmlns:a14="http://schemas.microsoft.com/office/drawing/2010/main">
+        <mc:Choice Requires="a14">
           <p:sp>
             <p:nvSpPr>
               <p:cNvPr id="25" name="TextBox 24">
@@ -16394,7 +15909,7 @@
             </p:txBody>
           </p:sp>
         </mc:Choice>
-        <mc:Fallback>
+        <mc:Fallback xmlns="">
           <p:sp>
             <p:nvSpPr>
               <p:cNvPr id="25" name="TextBox 24">
@@ -16751,8 +16266,8 @@
           </a:fontRef>
         </p:style>
       </p:cxnSp>
-      <mc:AlternateContent xmlns:mc="http://schemas.openxmlformats.org/markup-compatibility/2006">
-        <mc:Choice xmlns:a14="http://schemas.microsoft.com/office/drawing/2010/main" Requires="a14">
+      <mc:AlternateContent xmlns:mc="http://schemas.openxmlformats.org/markup-compatibility/2006" xmlns:a14="http://schemas.microsoft.com/office/drawing/2010/main">
+        <mc:Choice Requires="a14">
           <p:sp>
             <p:nvSpPr>
               <p:cNvPr id="41" name="TextBox 40">
@@ -16781,6 +16296,7 @@
               </a:bodyPr>
               <a:lstStyle/>
               <a:p>
+                <a:pPr/>
                 <a14:m>
                   <m:oMathPara xmlns:m="http://schemas.openxmlformats.org/officeDocument/2006/math">
                     <m:oMathParaPr>
@@ -16820,7 +16336,7 @@
             </p:txBody>
           </p:sp>
         </mc:Choice>
-        <mc:Fallback>
+        <mc:Fallback xmlns="">
           <p:sp>
             <p:nvSpPr>
               <p:cNvPr id="41" name="TextBox 40">
@@ -16865,8 +16381,8 @@
           </p:sp>
         </mc:Fallback>
       </mc:AlternateContent>
-      <mc:AlternateContent xmlns:mc="http://schemas.openxmlformats.org/markup-compatibility/2006">
-        <mc:Choice xmlns:a14="http://schemas.microsoft.com/office/drawing/2010/main" Requires="a14">
+      <mc:AlternateContent xmlns:mc="http://schemas.openxmlformats.org/markup-compatibility/2006" xmlns:a14="http://schemas.microsoft.com/office/drawing/2010/main">
+        <mc:Choice Requires="a14">
           <p:sp>
             <p:nvSpPr>
               <p:cNvPr id="42" name="TextBox 41">
@@ -16895,6 +16411,7 @@
               </a:bodyPr>
               <a:lstStyle/>
               <a:p>
+                <a:pPr/>
                 <a14:m>
                   <m:oMathPara xmlns:m="http://schemas.openxmlformats.org/officeDocument/2006/math">
                     <m:oMathParaPr>
@@ -16934,7 +16451,7 @@
             </p:txBody>
           </p:sp>
         </mc:Choice>
-        <mc:Fallback>
+        <mc:Fallback xmlns="">
           <p:sp>
             <p:nvSpPr>
               <p:cNvPr id="42" name="TextBox 41">
@@ -16979,8 +16496,8 @@
           </p:sp>
         </mc:Fallback>
       </mc:AlternateContent>
-      <mc:AlternateContent xmlns:mc="http://schemas.openxmlformats.org/markup-compatibility/2006">
-        <mc:Choice xmlns:a14="http://schemas.microsoft.com/office/drawing/2010/main" Requires="a14">
+      <mc:AlternateContent xmlns:mc="http://schemas.openxmlformats.org/markup-compatibility/2006" xmlns:a14="http://schemas.microsoft.com/office/drawing/2010/main">
+        <mc:Choice Requires="a14">
           <p:sp>
             <p:nvSpPr>
               <p:cNvPr id="43" name="TextBox 42">
@@ -17009,6 +16526,7 @@
               </a:bodyPr>
               <a:lstStyle/>
               <a:p>
+                <a:pPr/>
                 <a14:m>
                   <m:oMathPara xmlns:m="http://schemas.openxmlformats.org/officeDocument/2006/math">
                     <m:oMathParaPr>
@@ -17048,7 +16566,7 @@
             </p:txBody>
           </p:sp>
         </mc:Choice>
-        <mc:Fallback>
+        <mc:Fallback xmlns="">
           <p:sp>
             <p:nvSpPr>
               <p:cNvPr id="43" name="TextBox 42">
@@ -17093,8 +16611,8 @@
           </p:sp>
         </mc:Fallback>
       </mc:AlternateContent>
-      <mc:AlternateContent xmlns:mc="http://schemas.openxmlformats.org/markup-compatibility/2006">
-        <mc:Choice xmlns:a14="http://schemas.microsoft.com/office/drawing/2010/main" Requires="a14">
+      <mc:AlternateContent xmlns:mc="http://schemas.openxmlformats.org/markup-compatibility/2006" xmlns:a14="http://schemas.microsoft.com/office/drawing/2010/main">
+        <mc:Choice Requires="a14">
           <p:sp>
             <p:nvSpPr>
               <p:cNvPr id="44" name="TextBox 43">
@@ -17123,6 +16641,7 @@
               </a:bodyPr>
               <a:lstStyle/>
               <a:p>
+                <a:pPr/>
                 <a14:m>
                   <m:oMathPara xmlns:m="http://schemas.openxmlformats.org/officeDocument/2006/math">
                     <m:oMathParaPr>
@@ -17162,7 +16681,7 @@
             </p:txBody>
           </p:sp>
         </mc:Choice>
-        <mc:Fallback>
+        <mc:Fallback xmlns="">
           <p:sp>
             <p:nvSpPr>
               <p:cNvPr id="44" name="TextBox 43">
@@ -17375,7 +16894,7 @@
                               <m:t>⋅</m:t>
                             </m:r>
                             <m:r>
-                              <a:rPr lang="en-US" sz="2000" i="1" dirty="0">
+                              <a:rPr lang="de-DE" sz="2000" b="0" i="1" dirty="0" smtClean="0">
                                 <a:solidFill>
                                   <a:srgbClr val="0070C0"/>
                                 </a:solidFill>
@@ -17383,7 +16902,7 @@
                                 <a:ea typeface="Cambria Math" panose="02040503050406030204" pitchFamily="18" charset="0"/>
                                 <a:cs typeface="Beaufort for LOL" panose="02020503050000020004" pitchFamily="18" charset="0"/>
                               </a:rPr>
-                              <m:t>𝐿</m:t>
+                              <m:t>𝐶</m:t>
                             </m:r>
                             <m:r>
                               <a:rPr lang="en-US" sz="2000" i="1" dirty="0">
@@ -17485,8 +17004,8 @@
           </p:sp>
         </mc:Fallback>
       </mc:AlternateContent>
-      <mc:AlternateContent xmlns:mc="http://schemas.openxmlformats.org/markup-compatibility/2006">
-        <mc:Choice xmlns:a14="http://schemas.microsoft.com/office/drawing/2010/main" Requires="a14">
+      <mc:AlternateContent xmlns:mc="http://schemas.openxmlformats.org/markup-compatibility/2006" xmlns:a14="http://schemas.microsoft.com/office/drawing/2010/main">
+        <mc:Choice Requires="a14">
           <p:sp>
             <p:nvSpPr>
               <p:cNvPr id="47" name="TextBox 46">
@@ -17544,7 +17063,7 @@
             </p:txBody>
           </p:sp>
         </mc:Choice>
-        <mc:Fallback>
+        <mc:Fallback xmlns="">
           <p:sp>
             <p:nvSpPr>
               <p:cNvPr id="47" name="TextBox 46">
@@ -17677,8 +17196,8 @@
           </a:fontRef>
         </p:style>
       </p:cxnSp>
-      <mc:AlternateContent xmlns:mc="http://schemas.openxmlformats.org/markup-compatibility/2006">
-        <mc:Choice xmlns:a14="http://schemas.microsoft.com/office/drawing/2010/main" Requires="a14">
+      <mc:AlternateContent xmlns:mc="http://schemas.openxmlformats.org/markup-compatibility/2006" xmlns:a14="http://schemas.microsoft.com/office/drawing/2010/main">
+        <mc:Choice Requires="a14">
           <p:sp>
             <p:nvSpPr>
               <p:cNvPr id="54" name="TextBox 53">
@@ -17728,7 +17247,7 @@
             </p:txBody>
           </p:sp>
         </mc:Choice>
-        <mc:Fallback>
+        <mc:Fallback xmlns="">
           <p:sp>
             <p:nvSpPr>
               <p:cNvPr id="54" name="TextBox 53">
@@ -17773,8 +17292,8 @@
           </p:sp>
         </mc:Fallback>
       </mc:AlternateContent>
-      <mc:AlternateContent xmlns:mc="http://schemas.openxmlformats.org/markup-compatibility/2006">
-        <mc:Choice xmlns:a14="http://schemas.microsoft.com/office/drawing/2010/main" Requires="a14">
+      <mc:AlternateContent xmlns:mc="http://schemas.openxmlformats.org/markup-compatibility/2006" xmlns:a14="http://schemas.microsoft.com/office/drawing/2010/main">
+        <mc:Choice Requires="a14">
           <p:sp>
             <p:nvSpPr>
               <p:cNvPr id="55" name="TextBox 54">
@@ -17824,7 +17343,7 @@
             </p:txBody>
           </p:sp>
         </mc:Choice>
-        <mc:Fallback>
+        <mc:Fallback xmlns="">
           <p:sp>
             <p:nvSpPr>
               <p:cNvPr id="55" name="TextBox 54">
@@ -18243,8 +17762,8 @@
           </a:p>
         </p:txBody>
       </p:sp>
-      <mc:AlternateContent xmlns:mc="http://schemas.openxmlformats.org/markup-compatibility/2006">
-        <mc:Choice xmlns:a14="http://schemas.microsoft.com/office/drawing/2010/main" Requires="a14">
+      <mc:AlternateContent xmlns:mc="http://schemas.openxmlformats.org/markup-compatibility/2006" xmlns:a14="http://schemas.microsoft.com/office/drawing/2010/main">
+        <mc:Choice Requires="a14">
           <p:sp>
             <p:nvSpPr>
               <p:cNvPr id="70" name="TextBox 69">
@@ -18294,7 +17813,7 @@
             </p:txBody>
           </p:sp>
         </mc:Choice>
-        <mc:Fallback>
+        <mc:Fallback xmlns="">
           <p:sp>
             <p:nvSpPr>
               <p:cNvPr id="70" name="TextBox 69">
@@ -18339,8 +17858,8 @@
           </p:sp>
         </mc:Fallback>
       </mc:AlternateContent>
-      <mc:AlternateContent xmlns:mc="http://schemas.openxmlformats.org/markup-compatibility/2006">
-        <mc:Choice xmlns:a14="http://schemas.microsoft.com/office/drawing/2010/main" Requires="a14">
+      <mc:AlternateContent xmlns:mc="http://schemas.openxmlformats.org/markup-compatibility/2006" xmlns:a14="http://schemas.microsoft.com/office/drawing/2010/main">
+        <mc:Choice Requires="a14">
           <p:sp>
             <p:nvSpPr>
               <p:cNvPr id="71" name="TextBox 70">
@@ -18427,7 +17946,7 @@
             </p:txBody>
           </p:sp>
         </mc:Choice>
-        <mc:Fallback>
+        <mc:Fallback xmlns="">
           <p:sp>
             <p:nvSpPr>
               <p:cNvPr id="71" name="TextBox 70">
@@ -18472,8 +17991,8 @@
           </p:sp>
         </mc:Fallback>
       </mc:AlternateContent>
-      <mc:AlternateContent xmlns:mc="http://schemas.openxmlformats.org/markup-compatibility/2006">
-        <mc:Choice xmlns:a14="http://schemas.microsoft.com/office/drawing/2010/main" Requires="a14">
+      <mc:AlternateContent xmlns:mc="http://schemas.openxmlformats.org/markup-compatibility/2006" xmlns:a14="http://schemas.microsoft.com/office/drawing/2010/main">
+        <mc:Choice Requires="a14">
           <p:sp>
             <p:nvSpPr>
               <p:cNvPr id="72" name="TextBox 71">
@@ -18625,7 +18144,7 @@
             </p:txBody>
           </p:sp>
         </mc:Choice>
-        <mc:Fallback>
+        <mc:Fallback xmlns="">
           <p:sp>
             <p:nvSpPr>
               <p:cNvPr id="72" name="TextBox 71">
@@ -18927,14 +18446,14 @@
                       <m:t>≤</m:t>
                     </m:r>
                     <m:r>
-                      <a:rPr lang="en-US" sz="2000" b="0" i="1" smtClean="0">
+                      <a:rPr lang="de-DE" sz="2000" b="0" i="1" smtClean="0">
                         <a:solidFill>
                           <a:srgbClr val="C00000"/>
                         </a:solidFill>
                         <a:latin typeface="Cambria Math" panose="02040503050406030204" pitchFamily="18" charset="0"/>
                         <a:cs typeface="Beaufort for LOL" panose="02020503050000020004" pitchFamily="18" charset="0"/>
                       </a:rPr>
-                      <m:t>𝐿</m:t>
+                      <m:t>𝐶</m:t>
                     </m:r>
                     <m:sSub>
                       <m:sSubPr>
@@ -19203,8 +18722,8 @@
           </a:fontRef>
         </p:style>
       </p:cxnSp>
-      <mc:AlternateContent xmlns:mc="http://schemas.openxmlformats.org/markup-compatibility/2006">
-        <mc:Choice xmlns:a14="http://schemas.microsoft.com/office/drawing/2010/main" Requires="a14">
+      <mc:AlternateContent xmlns:mc="http://schemas.openxmlformats.org/markup-compatibility/2006" xmlns:a14="http://schemas.microsoft.com/office/drawing/2010/main">
+        <mc:Choice Requires="a14">
           <p:sp>
             <p:nvSpPr>
               <p:cNvPr id="82" name="TextBox 81">
@@ -19254,7 +18773,7 @@
             </p:txBody>
           </p:sp>
         </mc:Choice>
-        <mc:Fallback>
+        <mc:Fallback xmlns="">
           <p:sp>
             <p:nvSpPr>
               <p:cNvPr id="82" name="TextBox 81">
@@ -19299,8 +18818,8 @@
           </p:sp>
         </mc:Fallback>
       </mc:AlternateContent>
-      <mc:AlternateContent xmlns:mc="http://schemas.openxmlformats.org/markup-compatibility/2006">
-        <mc:Choice xmlns:a14="http://schemas.microsoft.com/office/drawing/2010/main" Requires="a14">
+      <mc:AlternateContent xmlns:mc="http://schemas.openxmlformats.org/markup-compatibility/2006" xmlns:a14="http://schemas.microsoft.com/office/drawing/2010/main">
+        <mc:Choice Requires="a14">
           <p:sp>
             <p:nvSpPr>
               <p:cNvPr id="83" name="TextBox 82">
@@ -19356,7 +18875,7 @@
             </p:txBody>
           </p:sp>
         </mc:Choice>
-        <mc:Fallback>
+        <mc:Fallback xmlns="">
           <p:sp>
             <p:nvSpPr>
               <p:cNvPr id="83" name="TextBox 82">
@@ -19401,8 +18920,8 @@
           </p:sp>
         </mc:Fallback>
       </mc:AlternateContent>
-      <mc:AlternateContent xmlns:mc="http://schemas.openxmlformats.org/markup-compatibility/2006">
-        <mc:Choice xmlns:a14="http://schemas.microsoft.com/office/drawing/2010/main" Requires="a14">
+      <mc:AlternateContent xmlns:mc="http://schemas.openxmlformats.org/markup-compatibility/2006" xmlns:a14="http://schemas.microsoft.com/office/drawing/2010/main">
+        <mc:Choice Requires="a14">
           <p:sp>
             <p:nvSpPr>
               <p:cNvPr id="84" name="TextBox 83">
@@ -19452,7 +18971,7 @@
             </p:txBody>
           </p:sp>
         </mc:Choice>
-        <mc:Fallback>
+        <mc:Fallback xmlns="">
           <p:sp>
             <p:nvSpPr>
               <p:cNvPr id="84" name="TextBox 83">
@@ -20014,8 +19533,8 @@
           </p:sp>
         </mc:Fallback>
       </mc:AlternateContent>
-      <mc:AlternateContent xmlns:mc="http://schemas.openxmlformats.org/markup-compatibility/2006" xmlns:a14="http://schemas.microsoft.com/office/drawing/2010/main">
-        <mc:Choice Requires="a14">
+      <mc:AlternateContent xmlns:mc="http://schemas.openxmlformats.org/markup-compatibility/2006">
+        <mc:Choice xmlns:a14="http://schemas.microsoft.com/office/drawing/2010/main" Requires="a14">
           <p:sp>
             <p:nvSpPr>
               <p:cNvPr id="5" name="TextBox 4">
@@ -20086,11 +19605,11 @@
                 <a14:m>
                   <m:oMath xmlns:m="http://schemas.openxmlformats.org/officeDocument/2006/math">
                     <m:r>
-                      <a:rPr lang="en-US" sz="2400" b="0" i="1" dirty="0" smtClean="0">
+                      <a:rPr lang="de-DE" sz="2400" b="0" i="1" dirty="0" smtClean="0">
                         <a:latin typeface="Cambria Math" panose="02040503050406030204" pitchFamily="18" charset="0"/>
                         <a:cs typeface="Beaufort for LOL" panose="02020503050000020004" pitchFamily="18" charset="0"/>
                       </a:rPr>
-                      <m:t>𝐿</m:t>
+                      <m:t>𝐶</m:t>
                     </m:r>
                     <m:r>
                       <a:rPr lang="en-US" sz="2400" b="0" i="1" dirty="0" smtClean="0">
@@ -20241,11 +19760,11 @@
                       <m:t> </m:t>
                     </m:r>
                     <m:r>
-                      <a:rPr lang="en-US" sz="2400" i="1" dirty="0">
+                      <a:rPr lang="de-DE" sz="2400" b="0" i="1" dirty="0" smtClean="0">
                         <a:latin typeface="Cambria Math" panose="02040503050406030204" pitchFamily="18" charset="0"/>
                         <a:cs typeface="Beaufort for LOL" panose="02020503050000020004" pitchFamily="18" charset="0"/>
                       </a:rPr>
-                      <m:t>𝐿</m:t>
+                      <m:t>𝐶</m:t>
                     </m:r>
                     <m:r>
                       <a:rPr lang="en-US" sz="2400" i="1" dirty="0">
@@ -20369,7 +19888,7 @@
             </p:txBody>
           </p:sp>
         </mc:Choice>
-        <mc:Fallback xmlns="">
+        <mc:Fallback>
           <p:sp>
             <p:nvSpPr>
               <p:cNvPr id="5" name="TextBox 4">
@@ -27702,8 +27221,8 @@
           </p:sp>
         </mc:Fallback>
       </mc:AlternateContent>
-      <mc:AlternateContent xmlns:mc="http://schemas.openxmlformats.org/markup-compatibility/2006" xmlns:a14="http://schemas.microsoft.com/office/drawing/2010/main">
-        <mc:Choice Requires="a14">
+      <mc:AlternateContent xmlns:mc="http://schemas.openxmlformats.org/markup-compatibility/2006">
+        <mc:Choice xmlns:a14="http://schemas.microsoft.com/office/drawing/2010/main" Requires="a14">
           <p:sp>
             <p:nvSpPr>
               <p:cNvPr id="163" name="TextBox 162">
@@ -27842,11 +27361,11 @@
                 <a14:m>
                   <m:oMath xmlns:m="http://schemas.openxmlformats.org/officeDocument/2006/math">
                     <m:r>
-                      <a:rPr lang="en-US" i="1" dirty="0">
+                      <a:rPr lang="de-DE" b="0" i="1" dirty="0" smtClean="0">
                         <a:latin typeface="Cambria Math" panose="02040503050406030204" pitchFamily="18" charset="0"/>
                         <a:cs typeface="Beaufort for LOL" panose="02020503050000020004" pitchFamily="18" charset="0"/>
                       </a:rPr>
-                      <m:t>𝐿</m:t>
+                      <m:t>𝐶</m:t>
                     </m:r>
                     <m:r>
                       <a:rPr lang="en-US" b="0" i="1" dirty="0" smtClean="0">
@@ -27969,7 +27488,7 @@
             </p:txBody>
           </p:sp>
         </mc:Choice>
-        <mc:Fallback xmlns="">
+        <mc:Fallback>
           <p:sp>
             <p:nvSpPr>
               <p:cNvPr id="163" name="TextBox 162">
@@ -37939,8 +37458,8 @@
           </p:sp>
         </mc:Fallback>
       </mc:AlternateContent>
-      <mc:AlternateContent xmlns:mc="http://schemas.openxmlformats.org/markup-compatibility/2006" xmlns:a14="http://schemas.microsoft.com/office/drawing/2010/main">
-        <mc:Choice Requires="a14">
+      <mc:AlternateContent xmlns:mc="http://schemas.openxmlformats.org/markup-compatibility/2006">
+        <mc:Choice xmlns:a14="http://schemas.microsoft.com/office/drawing/2010/main" Requires="a14">
           <p:sp>
             <p:nvSpPr>
               <p:cNvPr id="9" name="TextBox 8">
@@ -38014,11 +37533,11 @@
                       <m:t>(</m:t>
                     </m:r>
                     <m:r>
-                      <a:rPr lang="en-US" sz="2400" b="0" i="1" dirty="0" smtClean="0">
+                      <a:rPr lang="en-US" sz="2400" i="1">
                         <a:latin typeface="Cambria Math" panose="02040503050406030204" pitchFamily="18" charset="0"/>
                         <a:cs typeface="Beaufort for LOL" panose="02020503050000020004" pitchFamily="18" charset="0"/>
                       </a:rPr>
-                      <m:t>𝜖</m:t>
+                      <m:t>𝜅</m:t>
                     </m:r>
                     <m:r>
                       <a:rPr lang="en-US" sz="2400" b="0" i="1" dirty="0" smtClean="0">
@@ -38197,7 +37716,7 @@
             </p:txBody>
           </p:sp>
         </mc:Choice>
-        <mc:Fallback xmlns="">
+        <mc:Fallback>
           <p:sp>
             <p:nvSpPr>
               <p:cNvPr id="9" name="TextBox 8">
@@ -38223,7 +37742,7 @@
               <a:blipFill>
                 <a:blip r:embed="rId3"/>
                 <a:stretch>
-                  <a:fillRect l="-796" t="-5674" r="-849" b="-14894"/>
+                  <a:fillRect l="-796" t="-5674" r="-1062" b="-14894"/>
                 </a:stretch>
               </a:blipFill>
             </p:spPr>
@@ -38757,8 +38276,8 @@
           </p:sp>
         </mc:Fallback>
       </mc:AlternateContent>
-      <mc:AlternateContent xmlns:mc="http://schemas.openxmlformats.org/markup-compatibility/2006" xmlns:a14="http://schemas.microsoft.com/office/drawing/2010/main">
-        <mc:Choice Requires="a14">
+      <mc:AlternateContent xmlns:mc="http://schemas.openxmlformats.org/markup-compatibility/2006">
+        <mc:Choice xmlns:a14="http://schemas.microsoft.com/office/drawing/2010/main" Requires="a14">
           <p:sp>
             <p:nvSpPr>
               <p:cNvPr id="6" name="TextBox 5">
@@ -38797,11 +38316,11 @@
                 <a14:m>
                   <m:oMath xmlns:m="http://schemas.openxmlformats.org/officeDocument/2006/math">
                     <m:r>
-                      <a:rPr lang="en-US" sz="2400" b="0" i="1" smtClean="0">
+                      <a:rPr lang="en-US" sz="2400" i="1">
                         <a:latin typeface="Cambria Math" panose="02040503050406030204" pitchFamily="18" charset="0"/>
                         <a:cs typeface="Beaufort for LOL" panose="02020503050000020004" pitchFamily="18" charset="0"/>
                       </a:rPr>
-                      <m:t>𝜖</m:t>
+                      <m:t>𝜅</m:t>
                     </m:r>
                     <m:r>
                       <a:rPr lang="en-US" sz="2400" b="0" i="1" smtClean="0">
@@ -38845,7 +38364,7 @@
             </p:txBody>
           </p:sp>
         </mc:Choice>
-        <mc:Fallback xmlns="">
+        <mc:Fallback>
           <p:sp>
             <p:nvSpPr>
               <p:cNvPr id="6" name="TextBox 5">

--- a/6 - Generalization Bounds/Slides.pptx
+++ b/6 - Generalization Bounds/Slides.pptx
@@ -162,7 +162,7 @@
 <file path=ppt/revisionInfo.xml><?xml version="1.0" encoding="utf-8"?>
 <p1510:revInfo xmlns:a="http://schemas.openxmlformats.org/drawingml/2006/main" xmlns:r="http://schemas.openxmlformats.org/officeDocument/2006/relationships" xmlns:p1510="http://schemas.microsoft.com/office/powerpoint/2015/10/main">
   <p1510:revLst>
-    <p1510:client id="{AF642132-5A98-4464-8D09-85A8C5D9CC76}" v="660" dt="2026-02-04T13:13:16.647"/>
+    <p1510:client id="{AF642132-5A98-4464-8D09-85A8C5D9CC76}" v="771" dt="2026-02-05T12:42:46.005"/>
   </p1510:revLst>
 </p1510:revInfo>
 </file>
@@ -172,7 +172,7 @@
   <pc:docChgLst>
     <pc:chgData name="Dominik Dold" userId="f2e3d405450aa2f4" providerId="LiveId" clId="{5805CB45-291F-49AE-A1B6-715AA1DB6F91}"/>
     <pc:docChg chg="undo redo custSel addSld delSld modSld sldOrd modMainMaster">
-      <pc:chgData name="Dominik Dold" userId="f2e3d405450aa2f4" providerId="LiveId" clId="{5805CB45-291F-49AE-A1B6-715AA1DB6F91}" dt="2026-02-04T13:13:16.647" v="50045" actId="20577"/>
+      <pc:chgData name="Dominik Dold" userId="f2e3d405450aa2f4" providerId="LiveId" clId="{5805CB45-291F-49AE-A1B6-715AA1DB6F91}" dt="2026-02-05T12:42:46.005" v="50156" actId="20577"/>
       <pc:docMkLst>
         <pc:docMk/>
       </pc:docMkLst>
@@ -563,7 +563,7 @@
         </pc:picChg>
       </pc:sldChg>
       <pc:sldChg chg="addSp delSp modSp new mod delAnim modAnim">
-        <pc:chgData name="Dominik Dold" userId="f2e3d405450aa2f4" providerId="LiveId" clId="{5805CB45-291F-49AE-A1B6-715AA1DB6F91}" dt="2026-01-14T15:39:52.315" v="49076"/>
+        <pc:chgData name="Dominik Dold" userId="f2e3d405450aa2f4" providerId="LiveId" clId="{5805CB45-291F-49AE-A1B6-715AA1DB6F91}" dt="2026-02-05T12:42:46.005" v="50156" actId="20577"/>
         <pc:sldMkLst>
           <pc:docMk/>
           <pc:sldMk cId="3004122205" sldId="347"/>
@@ -601,7 +601,7 @@
           </ac:spMkLst>
         </pc:spChg>
         <pc:spChg chg="add mod">
-          <ac:chgData name="Dominik Dold" userId="f2e3d405450aa2f4" providerId="LiveId" clId="{5805CB45-291F-49AE-A1B6-715AA1DB6F91}" dt="2026-01-13T13:20:10.372" v="42947" actId="20577"/>
+          <ac:chgData name="Dominik Dold" userId="f2e3d405450aa2f4" providerId="LiveId" clId="{5805CB45-291F-49AE-A1B6-715AA1DB6F91}" dt="2026-02-05T12:42:46.005" v="50156" actId="20577"/>
           <ac:spMkLst>
             <pc:docMk/>
             <pc:sldMk cId="3004122205" sldId="347"/>
@@ -657,7 +657,7 @@
           </ac:spMkLst>
         </pc:spChg>
         <pc:spChg chg="add mod">
-          <ac:chgData name="Dominik Dold" userId="f2e3d405450aa2f4" providerId="LiveId" clId="{5805CB45-291F-49AE-A1B6-715AA1DB6F91}" dt="2026-01-13T13:26:01.073" v="43108" actId="20577"/>
+          <ac:chgData name="Dominik Dold" userId="f2e3d405450aa2f4" providerId="LiveId" clId="{5805CB45-291F-49AE-A1B6-715AA1DB6F91}" dt="2026-02-05T12:42:08.618" v="50124" actId="20577"/>
           <ac:spMkLst>
             <pc:docMk/>
             <pc:sldMk cId="3004122205" sldId="347"/>
@@ -894,7 +894,7 @@
         </pc:picChg>
       </pc:sldChg>
       <pc:sldChg chg="addSp delSp modSp add mod ord">
-        <pc:chgData name="Dominik Dold" userId="f2e3d405450aa2f4" providerId="LiveId" clId="{5805CB45-291F-49AE-A1B6-715AA1DB6F91}" dt="2026-02-04T13:12:09.139" v="50044" actId="20577"/>
+        <pc:chgData name="Dominik Dold" userId="f2e3d405450aa2f4" providerId="LiveId" clId="{5805CB45-291F-49AE-A1B6-715AA1DB6F91}" dt="2026-02-05T12:41:21.572" v="50064" actId="20577"/>
         <pc:sldMkLst>
           <pc:docMk/>
           <pc:sldMk cId="2712640076" sldId="354"/>
@@ -908,7 +908,7 @@
           </ac:spMkLst>
         </pc:spChg>
         <pc:spChg chg="add mod">
-          <ac:chgData name="Dominik Dold" userId="f2e3d405450aa2f4" providerId="LiveId" clId="{5805CB45-291F-49AE-A1B6-715AA1DB6F91}" dt="2026-01-12T15:59:15.389" v="42896" actId="1076"/>
+          <ac:chgData name="Dominik Dold" userId="f2e3d405450aa2f4" providerId="LiveId" clId="{5805CB45-291F-49AE-A1B6-715AA1DB6F91}" dt="2026-02-05T12:41:21.572" v="50064" actId="20577"/>
           <ac:spMkLst>
             <pc:docMk/>
             <pc:sldMk cId="2712640076" sldId="354"/>
@@ -1730,7 +1730,7 @@
           <a:p>
             <a:fld id="{5ECCE08E-FD48-4ABE-9805-2EBFDE106AB3}" type="datetimeFigureOut">
               <a:rPr lang="en-GB" smtClean="0"/>
-              <a:t>04/02/2026</a:t>
+              <a:t>05/02/2026</a:t>
             </a:fld>
             <a:endParaRPr lang="en-GB"/>
           </a:p>
@@ -2641,7 +2641,7 @@
           <a:p>
             <a:fld id="{CBE30051-C6DB-4954-8A39-7BBB06410C9B}" type="datetime1">
               <a:rPr lang="en-GB" smtClean="0"/>
-              <a:t>04/02/2026</a:t>
+              <a:t>05/02/2026</a:t>
             </a:fld>
             <a:endParaRPr lang="en-GB"/>
           </a:p>
@@ -2830,7 +2830,7 @@
           <a:p>
             <a:fld id="{3D7C210B-129B-4959-BC37-B5393D6AEA88}" type="datetime1">
               <a:rPr lang="en-GB" smtClean="0"/>
-              <a:t>04/02/2026</a:t>
+              <a:t>05/02/2026</a:t>
             </a:fld>
             <a:endParaRPr lang="en-GB"/>
           </a:p>
@@ -3029,7 +3029,7 @@
           <a:p>
             <a:fld id="{742CE41D-2DBF-4108-A0A6-B66ADCBB53B9}" type="datetime1">
               <a:rPr lang="en-GB" smtClean="0"/>
-              <a:t>04/02/2026</a:t>
+              <a:t>05/02/2026</a:t>
             </a:fld>
             <a:endParaRPr lang="en-GB"/>
           </a:p>
@@ -3568,7 +3568,7 @@
           <a:p>
             <a:fld id="{14CB3D7D-A06C-4DE9-992B-5B65F53834D9}" type="datetime1">
               <a:rPr lang="en-GB" smtClean="0"/>
-              <a:t>04/02/2026</a:t>
+              <a:t>05/02/2026</a:t>
             </a:fld>
             <a:endParaRPr lang="en-GB"/>
           </a:p>
@@ -3934,7 +3934,7 @@
           <a:p>
             <a:fld id="{C67A38C1-9379-4361-9946-D3680B7F47FE}" type="datetime1">
               <a:rPr lang="en-GB" smtClean="0"/>
-              <a:t>04/02/2026</a:t>
+              <a:t>05/02/2026</a:t>
             </a:fld>
             <a:endParaRPr lang="en-GB"/>
           </a:p>
@@ -4071,7 +4071,7 @@
           <a:p>
             <a:fld id="{B9C7243E-F364-48F3-BBAD-37A743E237B4}" type="datetime1">
               <a:rPr lang="en-GB" smtClean="0"/>
-              <a:t>04/02/2026</a:t>
+              <a:t>05/02/2026</a:t>
             </a:fld>
             <a:endParaRPr lang="en-GB"/>
           </a:p>
@@ -4477,7 +4477,7 @@
           <a:p>
             <a:fld id="{5FC0CC01-3EBF-4DED-A29A-5DE22DB44D36}" type="datetime1">
               <a:rPr lang="en-GB" smtClean="0"/>
-              <a:t>04/02/2026</a:t>
+              <a:t>05/02/2026</a:t>
             </a:fld>
             <a:endParaRPr lang="en-GB"/>
           </a:p>
@@ -4713,7 +4713,7 @@
           <a:p>
             <a:fld id="{9CDC136D-BBC1-4797-AC59-38B61BEC7FD1}" type="datetime1">
               <a:rPr lang="en-GB" smtClean="0"/>
-              <a:t>04/02/2026</a:t>
+              <a:t>05/02/2026</a:t>
             </a:fld>
             <a:endParaRPr lang="en-GB"/>
           </a:p>
@@ -5624,8 +5624,8 @@
           </p:sp>
         </mc:Fallback>
       </mc:AlternateContent>
-      <mc:AlternateContent xmlns:mc="http://schemas.openxmlformats.org/markup-compatibility/2006">
-        <mc:Choice xmlns:a14="http://schemas.microsoft.com/office/drawing/2010/main" Requires="a14">
+      <mc:AlternateContent xmlns:mc="http://schemas.openxmlformats.org/markup-compatibility/2006" xmlns:a14="http://schemas.microsoft.com/office/drawing/2010/main">
+        <mc:Choice Requires="a14">
           <p:sp>
             <p:nvSpPr>
               <p:cNvPr id="6" name="TextBox 5">
@@ -5712,7 +5712,7 @@
             </p:txBody>
           </p:sp>
         </mc:Choice>
-        <mc:Fallback>
+        <mc:Fallback xmlns="">
           <p:sp>
             <p:nvSpPr>
               <p:cNvPr id="6" name="TextBox 5">
@@ -6493,8 +6493,8 @@
           </p:sp>
         </mc:Fallback>
       </mc:AlternateContent>
-      <mc:AlternateContent xmlns:mc="http://schemas.openxmlformats.org/markup-compatibility/2006">
-        <mc:Choice xmlns:a14="http://schemas.microsoft.com/office/drawing/2010/main" Requires="a14">
+      <mc:AlternateContent xmlns:mc="http://schemas.openxmlformats.org/markup-compatibility/2006" xmlns:a14="http://schemas.microsoft.com/office/drawing/2010/main">
+        <mc:Choice Requires="a14">
           <p:sp>
             <p:nvSpPr>
               <p:cNvPr id="6" name="TextBox 5">
@@ -6581,7 +6581,7 @@
             </p:txBody>
           </p:sp>
         </mc:Choice>
-        <mc:Fallback>
+        <mc:Fallback xmlns="">
           <p:sp>
             <p:nvSpPr>
               <p:cNvPr id="6" name="TextBox 5">
@@ -7362,8 +7362,8 @@
           </p:sp>
         </mc:Fallback>
       </mc:AlternateContent>
-      <mc:AlternateContent xmlns:mc="http://schemas.openxmlformats.org/markup-compatibility/2006">
-        <mc:Choice xmlns:a14="http://schemas.microsoft.com/office/drawing/2010/main" Requires="a14">
+      <mc:AlternateContent xmlns:mc="http://schemas.openxmlformats.org/markup-compatibility/2006" xmlns:a14="http://schemas.microsoft.com/office/drawing/2010/main">
+        <mc:Choice Requires="a14">
           <p:sp>
             <p:nvSpPr>
               <p:cNvPr id="6" name="TextBox 5">
@@ -7450,7 +7450,7 @@
             </p:txBody>
           </p:sp>
         </mc:Choice>
-        <mc:Fallback>
+        <mc:Fallback xmlns="">
           <p:sp>
             <p:nvSpPr>
               <p:cNvPr id="6" name="TextBox 5">
@@ -7859,8 +7859,8 @@
           </a:fontRef>
         </p:style>
       </p:cxnSp>
-      <mc:AlternateContent xmlns:mc="http://schemas.openxmlformats.org/markup-compatibility/2006" xmlns:a14="http://schemas.microsoft.com/office/drawing/2010/main">
-        <mc:Choice Requires="a14">
+      <mc:AlternateContent xmlns:mc="http://schemas.openxmlformats.org/markup-compatibility/2006">
+        <mc:Choice xmlns:a14="http://schemas.microsoft.com/office/drawing/2010/main" Requires="a14">
           <p:sp>
             <p:nvSpPr>
               <p:cNvPr id="13" name="TextBox 12">
@@ -7903,7 +7903,7 @@
                         <a:latin typeface="Cambria Math" panose="02040503050406030204" pitchFamily="18" charset="0"/>
                         <a:cs typeface="Beaufort for LOL" panose="02020503050000020004" pitchFamily="18" charset="0"/>
                       </a:rPr>
-                      <m:t>𝜖</m:t>
+                      <m:t>𝜅</m:t>
                     </m:r>
                   </m:oMath>
                 </a14:m>
@@ -7915,7 +7915,7 @@
             </p:txBody>
           </p:sp>
         </mc:Choice>
-        <mc:Fallback xmlns="">
+        <mc:Fallback>
           <p:sp>
             <p:nvSpPr>
               <p:cNvPr id="13" name="TextBox 12">
@@ -10235,8 +10235,8 @@
           </a:p>
         </p:txBody>
       </p:sp>
-      <mc:AlternateContent xmlns:mc="http://schemas.openxmlformats.org/markup-compatibility/2006">
-        <mc:Choice xmlns:a14="http://schemas.microsoft.com/office/drawing/2010/main" Requires="a14">
+      <mc:AlternateContent xmlns:mc="http://schemas.openxmlformats.org/markup-compatibility/2006" xmlns:a14="http://schemas.microsoft.com/office/drawing/2010/main">
+        <mc:Choice Requires="a14">
           <p:sp>
             <p:nvSpPr>
               <p:cNvPr id="4" name="TextBox 3">
@@ -10350,7 +10350,7 @@
             </p:txBody>
           </p:sp>
         </mc:Choice>
-        <mc:Fallback>
+        <mc:Fallback xmlns="">
           <p:sp>
             <p:nvSpPr>
               <p:cNvPr id="4" name="TextBox 3">
@@ -10395,8 +10395,8 @@
           </p:sp>
         </mc:Fallback>
       </mc:AlternateContent>
-      <mc:AlternateContent xmlns:mc="http://schemas.openxmlformats.org/markup-compatibility/2006">
-        <mc:Choice xmlns:a14="http://schemas.microsoft.com/office/drawing/2010/main" Requires="a14">
+      <mc:AlternateContent xmlns:mc="http://schemas.openxmlformats.org/markup-compatibility/2006" xmlns:a14="http://schemas.microsoft.com/office/drawing/2010/main">
+        <mc:Choice Requires="a14">
           <p:sp>
             <p:nvSpPr>
               <p:cNvPr id="6" name="TextBox 5">
@@ -10752,7 +10752,7 @@
             </p:txBody>
           </p:sp>
         </mc:Choice>
-        <mc:Fallback>
+        <mc:Fallback xmlns="">
           <p:sp>
             <p:nvSpPr>
               <p:cNvPr id="6" name="TextBox 5">
@@ -12086,8 +12086,8 @@
           </a:p>
         </p:txBody>
       </p:sp>
-      <mc:AlternateContent xmlns:mc="http://schemas.openxmlformats.org/markup-compatibility/2006">
-        <mc:Choice xmlns:a14="http://schemas.microsoft.com/office/drawing/2010/main" Requires="a14">
+      <mc:AlternateContent xmlns:mc="http://schemas.openxmlformats.org/markup-compatibility/2006" xmlns:a14="http://schemas.microsoft.com/office/drawing/2010/main">
+        <mc:Choice Requires="a14">
           <p:sp>
             <p:nvSpPr>
               <p:cNvPr id="4" name="TextBox 3">
@@ -12201,7 +12201,7 @@
             </p:txBody>
           </p:sp>
         </mc:Choice>
-        <mc:Fallback>
+        <mc:Fallback xmlns="">
           <p:sp>
             <p:nvSpPr>
               <p:cNvPr id="4" name="TextBox 3">
@@ -12246,8 +12246,8 @@
           </p:sp>
         </mc:Fallback>
       </mc:AlternateContent>
-      <mc:AlternateContent xmlns:mc="http://schemas.openxmlformats.org/markup-compatibility/2006">
-        <mc:Choice xmlns:a14="http://schemas.microsoft.com/office/drawing/2010/main" Requires="a14">
+      <mc:AlternateContent xmlns:mc="http://schemas.openxmlformats.org/markup-compatibility/2006" xmlns:a14="http://schemas.microsoft.com/office/drawing/2010/main">
+        <mc:Choice Requires="a14">
           <p:sp>
             <p:nvSpPr>
               <p:cNvPr id="6" name="TextBox 5">
@@ -12603,7 +12603,7 @@
             </p:txBody>
           </p:sp>
         </mc:Choice>
-        <mc:Fallback>
+        <mc:Fallback xmlns="">
           <p:sp>
             <p:nvSpPr>
               <p:cNvPr id="6" name="TextBox 5">
@@ -12648,8 +12648,8 @@
           </p:sp>
         </mc:Fallback>
       </mc:AlternateContent>
-      <mc:AlternateContent xmlns:mc="http://schemas.openxmlformats.org/markup-compatibility/2006">
-        <mc:Choice xmlns:a14="http://schemas.microsoft.com/office/drawing/2010/main" Requires="a14">
+      <mc:AlternateContent xmlns:mc="http://schemas.openxmlformats.org/markup-compatibility/2006" xmlns:a14="http://schemas.microsoft.com/office/drawing/2010/main">
+        <mc:Choice Requires="a14">
           <p:sp>
             <p:nvSpPr>
               <p:cNvPr id="11" name="TextBox 10">
@@ -12746,7 +12746,7 @@
             </p:txBody>
           </p:sp>
         </mc:Choice>
-        <mc:Fallback>
+        <mc:Fallback xmlns="">
           <p:sp>
             <p:nvSpPr>
               <p:cNvPr id="11" name="TextBox 10">
@@ -13990,8 +13990,8 @@
           </a:p>
         </p:txBody>
       </p:sp>
-      <mc:AlternateContent xmlns:mc="http://schemas.openxmlformats.org/markup-compatibility/2006">
-        <mc:Choice xmlns:a14="http://schemas.microsoft.com/office/drawing/2010/main" Requires="a14">
+      <mc:AlternateContent xmlns:mc="http://schemas.openxmlformats.org/markup-compatibility/2006" xmlns:a14="http://schemas.microsoft.com/office/drawing/2010/main">
+        <mc:Choice Requires="a14">
           <p:sp>
             <p:nvSpPr>
               <p:cNvPr id="46" name="TextBox 45">
@@ -14170,7 +14170,7 @@
             </p:txBody>
           </p:sp>
         </mc:Choice>
-        <mc:Fallback>
+        <mc:Fallback xmlns="">
           <p:sp>
             <p:nvSpPr>
               <p:cNvPr id="46" name="TextBox 45">
@@ -14875,8 +14875,8 @@
           </a:p>
         </p:txBody>
       </p:sp>
-      <mc:AlternateContent xmlns:mc="http://schemas.openxmlformats.org/markup-compatibility/2006">
-        <mc:Choice xmlns:a14="http://schemas.microsoft.com/office/drawing/2010/main" Requires="a14">
+      <mc:AlternateContent xmlns:mc="http://schemas.openxmlformats.org/markup-compatibility/2006" xmlns:a14="http://schemas.microsoft.com/office/drawing/2010/main">
+        <mc:Choice Requires="a14">
           <p:sp>
             <p:nvSpPr>
               <p:cNvPr id="4" name="TextBox 3">
@@ -14990,7 +14990,7 @@
             </p:txBody>
           </p:sp>
         </mc:Choice>
-        <mc:Fallback>
+        <mc:Fallback xmlns="">
           <p:sp>
             <p:nvSpPr>
               <p:cNvPr id="4" name="TextBox 3">
@@ -15035,8 +15035,8 @@
           </p:sp>
         </mc:Fallback>
       </mc:AlternateContent>
-      <mc:AlternateContent xmlns:mc="http://schemas.openxmlformats.org/markup-compatibility/2006">
-        <mc:Choice xmlns:a14="http://schemas.microsoft.com/office/drawing/2010/main" Requires="a14">
+      <mc:AlternateContent xmlns:mc="http://schemas.openxmlformats.org/markup-compatibility/2006" xmlns:a14="http://schemas.microsoft.com/office/drawing/2010/main">
+        <mc:Choice Requires="a14">
           <p:sp>
             <p:nvSpPr>
               <p:cNvPr id="6" name="TextBox 5">
@@ -15392,7 +15392,7 @@
             </p:txBody>
           </p:sp>
         </mc:Choice>
-        <mc:Fallback>
+        <mc:Fallback xmlns="">
           <p:sp>
             <p:nvSpPr>
               <p:cNvPr id="6" name="TextBox 5">
@@ -15437,8 +15437,8 @@
           </p:sp>
         </mc:Fallback>
       </mc:AlternateContent>
-      <mc:AlternateContent xmlns:mc="http://schemas.openxmlformats.org/markup-compatibility/2006">
-        <mc:Choice xmlns:a14="http://schemas.microsoft.com/office/drawing/2010/main" Requires="a14">
+      <mc:AlternateContent xmlns:mc="http://schemas.openxmlformats.org/markup-compatibility/2006" xmlns:a14="http://schemas.microsoft.com/office/drawing/2010/main">
+        <mc:Choice Requires="a14">
           <p:sp>
             <p:nvSpPr>
               <p:cNvPr id="11" name="TextBox 10">
@@ -15535,7 +15535,7 @@
             </p:txBody>
           </p:sp>
         </mc:Choice>
-        <mc:Fallback>
+        <mc:Fallback xmlns="">
           <p:sp>
             <p:nvSpPr>
               <p:cNvPr id="11" name="TextBox 10">
@@ -16779,8 +16779,8 @@
           </a:p>
         </p:txBody>
       </p:sp>
-      <mc:AlternateContent xmlns:mc="http://schemas.openxmlformats.org/markup-compatibility/2006">
-        <mc:Choice xmlns:a14="http://schemas.microsoft.com/office/drawing/2010/main" Requires="a14">
+      <mc:AlternateContent xmlns:mc="http://schemas.openxmlformats.org/markup-compatibility/2006" xmlns:a14="http://schemas.microsoft.com/office/drawing/2010/main">
+        <mc:Choice Requires="a14">
           <p:sp>
             <p:nvSpPr>
               <p:cNvPr id="46" name="TextBox 45">
@@ -16959,7 +16959,7 @@
             </p:txBody>
           </p:sp>
         </mc:Choice>
-        <mc:Fallback>
+        <mc:Fallback xmlns="">
           <p:sp>
             <p:nvSpPr>
               <p:cNvPr id="46" name="TextBox 45">
@@ -18189,8 +18189,8 @@
           </p:sp>
         </mc:Fallback>
       </mc:AlternateContent>
-      <mc:AlternateContent xmlns:mc="http://schemas.openxmlformats.org/markup-compatibility/2006">
-        <mc:Choice xmlns:a14="http://schemas.microsoft.com/office/drawing/2010/main" Requires="a14">
+      <mc:AlternateContent xmlns:mc="http://schemas.openxmlformats.org/markup-compatibility/2006" xmlns:a14="http://schemas.microsoft.com/office/drawing/2010/main">
+        <mc:Choice Requires="a14">
           <p:sp>
             <p:nvSpPr>
               <p:cNvPr id="79" name="TextBox 78">
@@ -18634,7 +18634,7 @@
             </p:txBody>
           </p:sp>
         </mc:Choice>
-        <mc:Fallback>
+        <mc:Fallback xmlns="">
           <p:sp>
             <p:nvSpPr>
               <p:cNvPr id="79" name="TextBox 78">
@@ -19533,8 +19533,8 @@
           </p:sp>
         </mc:Fallback>
       </mc:AlternateContent>
-      <mc:AlternateContent xmlns:mc="http://schemas.openxmlformats.org/markup-compatibility/2006">
-        <mc:Choice xmlns:a14="http://schemas.microsoft.com/office/drawing/2010/main" Requires="a14">
+      <mc:AlternateContent xmlns:mc="http://schemas.openxmlformats.org/markup-compatibility/2006" xmlns:a14="http://schemas.microsoft.com/office/drawing/2010/main">
+        <mc:Choice Requires="a14">
           <p:sp>
             <p:nvSpPr>
               <p:cNvPr id="5" name="TextBox 4">
@@ -19888,7 +19888,7 @@
             </p:txBody>
           </p:sp>
         </mc:Choice>
-        <mc:Fallback>
+        <mc:Fallback xmlns="">
           <p:sp>
             <p:nvSpPr>
               <p:cNvPr id="5" name="TextBox 4">
@@ -27221,8 +27221,8 @@
           </p:sp>
         </mc:Fallback>
       </mc:AlternateContent>
-      <mc:AlternateContent xmlns:mc="http://schemas.openxmlformats.org/markup-compatibility/2006">
-        <mc:Choice xmlns:a14="http://schemas.microsoft.com/office/drawing/2010/main" Requires="a14">
+      <mc:AlternateContent xmlns:mc="http://schemas.openxmlformats.org/markup-compatibility/2006" xmlns:a14="http://schemas.microsoft.com/office/drawing/2010/main">
+        <mc:Choice Requires="a14">
           <p:sp>
             <p:nvSpPr>
               <p:cNvPr id="163" name="TextBox 162">
@@ -27488,7 +27488,7 @@
             </p:txBody>
           </p:sp>
         </mc:Choice>
-        <mc:Fallback>
+        <mc:Fallback xmlns="">
           <p:sp>
             <p:nvSpPr>
               <p:cNvPr id="163" name="TextBox 162">
@@ -35492,7 +35492,21 @@
                 <a:latin typeface="Beaufort for LOL" panose="02020503050000020004" pitchFamily="18" charset="0"/>
                 <a:cs typeface="Beaufort for LOL" panose="02020503050000020004" pitchFamily="18" charset="0"/>
               </a:rPr>
-              <a:t>we assumed independence of the hypotheses! But what if two hypotheses have similar outputs / risk? We shouldn’t count them separately!</a:t>
+              <a:t>we assumed independence of the hypotheses! But what if two hypotheses </a:t>
+            </a:r>
+            <a:r>
+              <a:rPr lang="en-US" sz="2400">
+                <a:latin typeface="Beaufort for LOL" panose="02020503050000020004" pitchFamily="18" charset="0"/>
+                <a:cs typeface="Beaufort for LOL" panose="02020503050000020004" pitchFamily="18" charset="0"/>
+              </a:rPr>
+              <a:t>have very similar </a:t>
+            </a:r>
+            <a:r>
+              <a:rPr lang="en-US" sz="2400" dirty="0">
+                <a:latin typeface="Beaufort for LOL" panose="02020503050000020004" pitchFamily="18" charset="0"/>
+                <a:cs typeface="Beaufort for LOL" panose="02020503050000020004" pitchFamily="18" charset="0"/>
+              </a:rPr>
+              <a:t>outputs for all possible inputs? We shouldn’t count them separately!</a:t>
             </a:r>
             <a:endParaRPr lang="LID4096" sz="2400" dirty="0">
               <a:latin typeface="Beaufort for LOL" panose="02020503050000020004" pitchFamily="18" charset="0"/>
@@ -36090,7 +36104,7 @@
                 <a:latin typeface="Beaufort for LOL" panose="02020503050000020004" pitchFamily="18" charset="0"/>
                 <a:cs typeface="Beaufort for LOL" panose="02020503050000020004" pitchFamily="18" charset="0"/>
               </a:rPr>
-              <a:t>All lines lead to the same classification / similar risk!</a:t>
+              <a:t>All lines shown here produce similar outputs!</a:t>
             </a:r>
             <a:endParaRPr lang="LID4096" sz="2400" dirty="0">
               <a:latin typeface="Beaufort for LOL" panose="02020503050000020004" pitchFamily="18" charset="0"/>
@@ -37458,8 +37472,8 @@
           </p:sp>
         </mc:Fallback>
       </mc:AlternateContent>
-      <mc:AlternateContent xmlns:mc="http://schemas.openxmlformats.org/markup-compatibility/2006">
-        <mc:Choice xmlns:a14="http://schemas.microsoft.com/office/drawing/2010/main" Requires="a14">
+      <mc:AlternateContent xmlns:mc="http://schemas.openxmlformats.org/markup-compatibility/2006" xmlns:a14="http://schemas.microsoft.com/office/drawing/2010/main">
+        <mc:Choice Requires="a14">
           <p:sp>
             <p:nvSpPr>
               <p:cNvPr id="9" name="TextBox 8">
@@ -37716,7 +37730,7 @@
             </p:txBody>
           </p:sp>
         </mc:Choice>
-        <mc:Fallback>
+        <mc:Fallback xmlns="">
           <p:sp>
             <p:nvSpPr>
               <p:cNvPr id="9" name="TextBox 8">
@@ -38276,8 +38290,8 @@
           </p:sp>
         </mc:Fallback>
       </mc:AlternateContent>
-      <mc:AlternateContent xmlns:mc="http://schemas.openxmlformats.org/markup-compatibility/2006">
-        <mc:Choice xmlns:a14="http://schemas.microsoft.com/office/drawing/2010/main" Requires="a14">
+      <mc:AlternateContent xmlns:mc="http://schemas.openxmlformats.org/markup-compatibility/2006" xmlns:a14="http://schemas.microsoft.com/office/drawing/2010/main">
+        <mc:Choice Requires="a14">
           <p:sp>
             <p:nvSpPr>
               <p:cNvPr id="6" name="TextBox 5">
@@ -38364,7 +38378,7 @@
             </p:txBody>
           </p:sp>
         </mc:Choice>
-        <mc:Fallback>
+        <mc:Fallback xmlns="">
           <p:sp>
             <p:nvSpPr>
               <p:cNvPr id="6" name="TextBox 5">
